--- a/Slides/Clase_2_2019.pptx
+++ b/Slides/Clase_2_2019.pptx
@@ -5,62 +5,64 @@
     <p:sldMasterId id="2147483657" r:id="rId1"/>
   </p:sldMasterIdLst>
   <p:notesMasterIdLst>
-    <p:notesMasterId r:id="rId31"/>
+    <p:notesMasterId r:id="rId33"/>
   </p:notesMasterIdLst>
   <p:sldIdLst>
     <p:sldId id="256" r:id="rId2"/>
-    <p:sldId id="346" r:id="rId3"/>
-    <p:sldId id="366" r:id="rId4"/>
-    <p:sldId id="289" r:id="rId5"/>
-    <p:sldId id="342" r:id="rId6"/>
-    <p:sldId id="344" r:id="rId7"/>
-    <p:sldId id="345" r:id="rId8"/>
-    <p:sldId id="348" r:id="rId9"/>
-    <p:sldId id="349" r:id="rId10"/>
-    <p:sldId id="351" r:id="rId11"/>
-    <p:sldId id="350" r:id="rId12"/>
-    <p:sldId id="355" r:id="rId13"/>
-    <p:sldId id="357" r:id="rId14"/>
-    <p:sldId id="356" r:id="rId15"/>
-    <p:sldId id="372" r:id="rId16"/>
-    <p:sldId id="373" r:id="rId17"/>
-    <p:sldId id="353" r:id="rId18"/>
-    <p:sldId id="359" r:id="rId19"/>
-    <p:sldId id="360" r:id="rId20"/>
-    <p:sldId id="352" r:id="rId21"/>
-    <p:sldId id="362" r:id="rId22"/>
-    <p:sldId id="363" r:id="rId23"/>
-    <p:sldId id="364" r:id="rId24"/>
-    <p:sldId id="365" r:id="rId25"/>
-    <p:sldId id="367" r:id="rId26"/>
-    <p:sldId id="368" r:id="rId27"/>
-    <p:sldId id="369" r:id="rId28"/>
-    <p:sldId id="370" r:id="rId29"/>
-    <p:sldId id="371" r:id="rId30"/>
+    <p:sldId id="374" r:id="rId3"/>
+    <p:sldId id="375" r:id="rId4"/>
+    <p:sldId id="346" r:id="rId5"/>
+    <p:sldId id="366" r:id="rId6"/>
+    <p:sldId id="289" r:id="rId7"/>
+    <p:sldId id="342" r:id="rId8"/>
+    <p:sldId id="344" r:id="rId9"/>
+    <p:sldId id="345" r:id="rId10"/>
+    <p:sldId id="348" r:id="rId11"/>
+    <p:sldId id="349" r:id="rId12"/>
+    <p:sldId id="351" r:id="rId13"/>
+    <p:sldId id="350" r:id="rId14"/>
+    <p:sldId id="355" r:id="rId15"/>
+    <p:sldId id="357" r:id="rId16"/>
+    <p:sldId id="356" r:id="rId17"/>
+    <p:sldId id="372" r:id="rId18"/>
+    <p:sldId id="373" r:id="rId19"/>
+    <p:sldId id="353" r:id="rId20"/>
+    <p:sldId id="359" r:id="rId21"/>
+    <p:sldId id="360" r:id="rId22"/>
+    <p:sldId id="352" r:id="rId23"/>
+    <p:sldId id="362" r:id="rId24"/>
+    <p:sldId id="363" r:id="rId25"/>
+    <p:sldId id="364" r:id="rId26"/>
+    <p:sldId id="365" r:id="rId27"/>
+    <p:sldId id="367" r:id="rId28"/>
+    <p:sldId id="368" r:id="rId29"/>
+    <p:sldId id="369" r:id="rId30"/>
+    <p:sldId id="370" r:id="rId31"/>
+    <p:sldId id="371" r:id="rId32"/>
   </p:sldIdLst>
   <p:sldSz cx="9144000" cy="5143500" type="screen16x9"/>
   <p:notesSz cx="6858000" cy="9144000"/>
   <p:embeddedFontLst>
     <p:embeddedFont>
-      <p:font typeface="Arvo" panose="020B0604020202020204" charset="0"/>
-      <p:regular r:id="rId32"/>
-      <p:bold r:id="rId33"/>
-      <p:italic r:id="rId34"/>
-      <p:boldItalic r:id="rId35"/>
-    </p:embeddedFont>
-    <p:embeddedFont>
       <p:font typeface="Roboto Condensed" panose="020B0604020202020204" charset="0"/>
-      <p:regular r:id="rId36"/>
-      <p:bold r:id="rId37"/>
-      <p:italic r:id="rId38"/>
-      <p:boldItalic r:id="rId39"/>
+      <p:regular r:id="rId34"/>
+      <p:bold r:id="rId35"/>
+      <p:italic r:id="rId36"/>
+      <p:boldItalic r:id="rId37"/>
     </p:embeddedFont>
     <p:embeddedFont>
       <p:font typeface="Roboto Condensed Light" panose="020B0604020202020204" charset="0"/>
-      <p:regular r:id="rId40"/>
-      <p:bold r:id="rId41"/>
-      <p:italic r:id="rId42"/>
-      <p:boldItalic r:id="rId43"/>
+      <p:regular r:id="rId38"/>
+      <p:bold r:id="rId39"/>
+      <p:italic r:id="rId40"/>
+      <p:boldItalic r:id="rId41"/>
+    </p:embeddedFont>
+    <p:embeddedFont>
+      <p:font typeface="Arvo" panose="020B0604020202020204" charset="0"/>
+      <p:regular r:id="rId42"/>
+      <p:bold r:id="rId43"/>
+      <p:italic r:id="rId44"/>
+      <p:boldItalic r:id="rId45"/>
     </p:embeddedFont>
   </p:embeddedFontLst>
   <p:defaultTextStyle>
@@ -942,7 +944,7 @@
     </p:spTree>
     <p:extLst>
       <p:ext uri="{BB962C8B-B14F-4D97-AF65-F5344CB8AC3E}">
-        <p14:creationId xmlns:p14="http://schemas.microsoft.com/office/powerpoint/2010/main" val="1540300106"/>
+        <p14:creationId xmlns:p14="http://schemas.microsoft.com/office/powerpoint/2010/main" val="1635378538"/>
       </p:ext>
     </p:extLst>
   </p:cSld>
@@ -1051,6 +1053,115 @@
     </p:spTree>
     <p:extLst>
       <p:ext uri="{BB962C8B-B14F-4D97-AF65-F5344CB8AC3E}">
+        <p14:creationId xmlns:p14="http://schemas.microsoft.com/office/powerpoint/2010/main" val="1540300106"/>
+      </p:ext>
+    </p:extLst>
+  </p:cSld>
+  <p:clrMapOvr>
+    <a:masterClrMapping/>
+  </p:clrMapOvr>
+</p:notes>
+</file>
+
+<file path=ppt/notesSlides/notesSlide4.xml><?xml version="1.0" encoding="utf-8"?>
+<p:notes xmlns:a="http://schemas.openxmlformats.org/drawingml/2006/main" xmlns:r="http://schemas.openxmlformats.org/officeDocument/2006/relationships" xmlns:p="http://schemas.openxmlformats.org/presentationml/2006/main" showMasterSp="0" showMasterPhAnim="0">
+  <p:cSld>
+    <p:spTree>
+      <p:nvGrpSpPr>
+        <p:cNvPr id="1" name="Shape 217"/>
+        <p:cNvGrpSpPr/>
+        <p:nvPr/>
+      </p:nvGrpSpPr>
+      <p:grpSpPr>
+        <a:xfrm>
+          <a:off x="0" y="0"/>
+          <a:ext cx="0" cy="0"/>
+          <a:chOff x="0" y="0"/>
+          <a:chExt cx="0" cy="0"/>
+        </a:xfrm>
+      </p:grpSpPr>
+      <p:sp>
+        <p:nvSpPr>
+          <p:cNvPr id="218" name="Google Shape;218;g35f391192_029:notes"/>
+          <p:cNvSpPr>
+            <a:spLocks noGrp="1" noRot="1" noChangeAspect="1"/>
+          </p:cNvSpPr>
+          <p:nvPr>
+            <p:ph type="sldImg" idx="2"/>
+          </p:nvPr>
+        </p:nvSpPr>
+        <p:spPr>
+          <a:xfrm>
+            <a:off x="381000" y="685800"/>
+            <a:ext cx="6096000" cy="3429000"/>
+          </a:xfrm>
+          <a:custGeom>
+            <a:avLst/>
+            <a:gdLst/>
+            <a:ahLst/>
+            <a:cxnLst/>
+            <a:rect l="0" t="0" r="0" b="0"/>
+            <a:pathLst>
+              <a:path w="120000" h="120000" extrusionOk="0">
+                <a:moveTo>
+                  <a:pt x="0" y="0"/>
+                </a:moveTo>
+                <a:lnTo>
+                  <a:pt x="120000" y="0"/>
+                </a:lnTo>
+                <a:lnTo>
+                  <a:pt x="120000" y="120000"/>
+                </a:lnTo>
+                <a:lnTo>
+                  <a:pt x="0" y="120000"/>
+                </a:lnTo>
+                <a:close/>
+              </a:path>
+            </a:pathLst>
+          </a:custGeom>
+        </p:spPr>
+      </p:sp>
+      <p:sp>
+        <p:nvSpPr>
+          <p:cNvPr id="219" name="Google Shape;219;g35f391192_029:notes"/>
+          <p:cNvSpPr txBox="1">
+            <a:spLocks noGrp="1"/>
+          </p:cNvSpPr>
+          <p:nvPr>
+            <p:ph type="body" idx="1"/>
+          </p:nvPr>
+        </p:nvSpPr>
+        <p:spPr>
+          <a:xfrm>
+            <a:off x="685800" y="4343400"/>
+            <a:ext cx="5486400" cy="4114800"/>
+          </a:xfrm>
+          <a:prstGeom prst="rect">
+            <a:avLst/>
+          </a:prstGeom>
+        </p:spPr>
+        <p:txBody>
+          <a:bodyPr spcFirstLastPara="1" wrap="square" lIns="91425" tIns="91425" rIns="91425" bIns="91425" anchor="t" anchorCtr="0">
+            <a:noAutofit/>
+          </a:bodyPr>
+          <a:lstStyle/>
+          <a:p>
+            <a:pPr marL="0" lvl="0" indent="0">
+              <a:spcBef>
+                <a:spcPts val="0"/>
+              </a:spcBef>
+              <a:spcAft>
+                <a:spcPts val="0"/>
+              </a:spcAft>
+              <a:buNone/>
+            </a:pPr>
+            <a:endParaRPr/>
+          </a:p>
+        </p:txBody>
+      </p:sp>
+    </p:spTree>
+    <p:extLst>
+      <p:ext uri="{BB962C8B-B14F-4D97-AF65-F5344CB8AC3E}">
         <p14:creationId xmlns:p14="http://schemas.microsoft.com/office/powerpoint/2010/main" val="2448489035"/>
       </p:ext>
     </p:extLst>
@@ -1061,7 +1172,7 @@
 </p:notes>
 </file>
 
-<file path=ppt/notesSlides/notesSlide4.xml><?xml version="1.0" encoding="utf-8"?>
+<file path=ppt/notesSlides/notesSlide5.xml><?xml version="1.0" encoding="utf-8"?>
 <p:notes xmlns:a="http://schemas.openxmlformats.org/drawingml/2006/main" xmlns:r="http://schemas.openxmlformats.org/officeDocument/2006/relationships" xmlns:p="http://schemas.openxmlformats.org/presentationml/2006/main" showMasterSp="0" showMasterPhAnim="0">
   <p:cSld>
     <p:spTree>
@@ -5939,7 +6050,7 @@
   <p:cSld>
     <p:spTree>
       <p:nvGrpSpPr>
-        <p:cNvPr id="1" name=""/>
+        <p:cNvPr id="1" name="Shape 220"/>
         <p:cNvGrpSpPr/>
         <p:nvPr/>
       </p:nvGrpSpPr>
@@ -5953,123 +6064,83 @@
       </p:grpSpPr>
       <p:sp>
         <p:nvSpPr>
-          <p:cNvPr id="2" name="Título 1"/>
-          <p:cNvSpPr>
+          <p:cNvPr id="221" name="Google Shape;221;p14"/>
+          <p:cNvSpPr txBox="1">
             <a:spLocks noGrp="1"/>
           </p:cNvSpPr>
           <p:nvPr>
-            <p:ph type="title"/>
+            <p:ph type="ctrTitle"/>
           </p:nvPr>
         </p:nvSpPr>
-        <p:spPr/>
+        <p:spPr>
+          <a:xfrm>
+            <a:off x="463525" y="2871148"/>
+            <a:ext cx="4094400" cy="1159800"/>
+          </a:xfrm>
+          <a:prstGeom prst="rect">
+            <a:avLst/>
+          </a:prstGeom>
+        </p:spPr>
         <p:txBody>
-          <a:bodyPr/>
+          <a:bodyPr spcFirstLastPara="1" wrap="square" lIns="91425" tIns="91425" rIns="91425" bIns="91425" anchor="b" anchorCtr="0">
+            <a:noAutofit/>
+          </a:bodyPr>
           <a:lstStyle/>
           <a:p>
-            <a:endParaRPr lang="es-MX"/>
+            <a:pPr marL="0" lvl="0" indent="0" rtl="0">
+              <a:spcBef>
+                <a:spcPts val="0"/>
+              </a:spcBef>
+              <a:spcAft>
+                <a:spcPts val="0"/>
+              </a:spcAft>
+              <a:buNone/>
+            </a:pPr>
+            <a:r>
+              <a:rPr lang="es-MX" dirty="0" smtClean="0"/>
+              <a:t>El modelo relacional</a:t>
+            </a:r>
+            <a:endParaRPr lang="es-MX" dirty="0"/>
           </a:p>
         </p:txBody>
       </p:sp>
       <p:sp>
         <p:nvSpPr>
-          <p:cNvPr id="3" name="Marcador de texto 2"/>
-          <p:cNvSpPr>
+          <p:cNvPr id="222" name="Google Shape;222;p14"/>
+          <p:cNvSpPr txBox="1">
             <a:spLocks noGrp="1"/>
           </p:cNvSpPr>
           <p:nvPr>
-            <p:ph type="body" idx="1"/>
+            <p:ph type="subTitle" idx="1"/>
           </p:nvPr>
         </p:nvSpPr>
-        <p:spPr/>
+        <p:spPr>
+          <a:xfrm>
+            <a:off x="463525" y="3975449"/>
+            <a:ext cx="4094400" cy="784800"/>
+          </a:xfrm>
+          <a:prstGeom prst="rect">
+            <a:avLst/>
+          </a:prstGeom>
+        </p:spPr>
         <p:txBody>
-          <a:bodyPr/>
+          <a:bodyPr spcFirstLastPara="1" wrap="square" lIns="91425" tIns="91425" rIns="91425" bIns="91425" anchor="t" anchorCtr="0">
+            <a:noAutofit/>
+          </a:bodyPr>
           <a:lstStyle/>
           <a:p>
+            <a:pPr marL="0" lvl="0" indent="0" rtl="0">
+              <a:spcBef>
+                <a:spcPts val="0"/>
+              </a:spcBef>
+              <a:spcAft>
+                <a:spcPts val="1000"/>
+              </a:spcAft>
+              <a:buNone/>
+            </a:pPr>
             <a:r>
               <a:rPr lang="es-MX" dirty="0" smtClean="0"/>
-              <a:t>Base de datos: Conjunto de </a:t>
-            </a:r>
-            <a:r>
-              <a:rPr lang="es-MX" b="1" dirty="0" smtClean="0"/>
-              <a:t>relaciones</a:t>
-            </a:r>
-            <a:r>
-              <a:rPr lang="es-MX" dirty="0" smtClean="0"/>
-              <a:t> (o </a:t>
-            </a:r>
-            <a:r>
-              <a:rPr lang="es-MX" b="1" dirty="0" smtClean="0"/>
-              <a:t>tablas</a:t>
-            </a:r>
-            <a:r>
-              <a:rPr lang="es-MX" dirty="0" smtClean="0"/>
-              <a:t>)</a:t>
-            </a:r>
-          </a:p>
-          <a:p>
-            <a:r>
-              <a:rPr lang="es-MX" dirty="0" smtClean="0"/>
-              <a:t>Cada relación tiene </a:t>
-            </a:r>
-            <a:r>
-              <a:rPr lang="es-MX" b="1" dirty="0" smtClean="0"/>
-              <a:t>atributos</a:t>
-            </a:r>
-            <a:r>
-              <a:rPr lang="es-MX" dirty="0" smtClean="0"/>
-              <a:t> ( o </a:t>
-            </a:r>
-            <a:r>
-              <a:rPr lang="es-MX" b="1" dirty="0" smtClean="0"/>
-              <a:t>columnas</a:t>
-            </a:r>
-            <a:r>
-              <a:rPr lang="es-MX" dirty="0" smtClean="0"/>
-              <a:t>)</a:t>
-            </a:r>
-          </a:p>
-          <a:p>
-            <a:r>
-              <a:rPr lang="es-MX" dirty="0" smtClean="0"/>
-              <a:t>Cada </a:t>
-            </a:r>
-            <a:r>
-              <a:rPr lang="es-MX" b="1" dirty="0" err="1" smtClean="0"/>
-              <a:t>tuple</a:t>
-            </a:r>
-            <a:r>
-              <a:rPr lang="es-MX" dirty="0" smtClean="0"/>
-              <a:t> (o </a:t>
-            </a:r>
-            <a:r>
-              <a:rPr lang="es-MX" b="1" dirty="0" smtClean="0"/>
-              <a:t>renglón</a:t>
-            </a:r>
-            <a:r>
-              <a:rPr lang="es-MX" dirty="0" smtClean="0"/>
-              <a:t>) tiene valores para cada atributo. </a:t>
-            </a:r>
-          </a:p>
-          <a:p>
-            <a:r>
-              <a:rPr lang="es-MX" dirty="0" smtClean="0"/>
-              <a:t>Cada atributo tiene un </a:t>
-            </a:r>
-            <a:r>
-              <a:rPr lang="es-MX" b="1" dirty="0" smtClean="0"/>
-              <a:t>tipo</a:t>
-            </a:r>
-            <a:r>
-              <a:rPr lang="es-MX" dirty="0" smtClean="0"/>
-              <a:t> (o </a:t>
-            </a:r>
-            <a:r>
-              <a:rPr lang="es-MX" b="1" dirty="0" smtClean="0"/>
-              <a:t>dominio</a:t>
-            </a:r>
-            <a:r>
-              <a:rPr lang="es-MX" dirty="0" smtClean="0"/>
-              <a:t>)</a:t>
+              <a:t>Bases de Bases de Datos</a:t>
             </a:r>
             <a:endParaRPr lang="es-MX" dirty="0"/>
           </a:p>
@@ -6077,17 +6148,27 @@
       </p:sp>
       <p:sp>
         <p:nvSpPr>
-          <p:cNvPr id="4" name="Marcador de número de diapositiva 3"/>
-          <p:cNvSpPr>
+          <p:cNvPr id="223" name="Google Shape;223;p14"/>
+          <p:cNvSpPr txBox="1">
             <a:spLocks noGrp="1"/>
           </p:cNvSpPr>
           <p:nvPr>
             <p:ph type="sldNum" idx="12"/>
           </p:nvPr>
         </p:nvSpPr>
-        <p:spPr/>
+        <p:spPr>
+          <a:xfrm>
+            <a:off x="7618000" y="4636500"/>
+            <a:ext cx="1487400" cy="315600"/>
+          </a:xfrm>
+          <a:prstGeom prst="rect">
+            <a:avLst/>
+          </a:prstGeom>
+        </p:spPr>
         <p:txBody>
-          <a:bodyPr/>
+          <a:bodyPr spcFirstLastPara="1" wrap="square" lIns="91425" tIns="91425" rIns="91425" bIns="91425" anchor="ctr" anchorCtr="0">
+            <a:noAutofit/>
+          </a:bodyPr>
           <a:lstStyle/>
           <a:p>
             <a:pPr marL="0" lvl="0" indent="0">
@@ -6100,17 +6181,75 @@
               <a:buNone/>
             </a:pPr>
             <a:fld id="{00000000-1234-1234-1234-123412341234}" type="slidenum">
-              <a:rPr lang="es-MX" smtClean="0"/>
+              <a:rPr lang="en"/>
               <a:t>10</a:t>
             </a:fld>
-            <a:endParaRPr lang="es-MX"/>
+            <a:endParaRPr/>
+          </a:p>
+        </p:txBody>
+      </p:sp>
+      <p:sp>
+        <p:nvSpPr>
+          <p:cNvPr id="224" name="Google Shape;224;p14"/>
+          <p:cNvSpPr txBox="1"/>
+          <p:nvPr/>
+        </p:nvSpPr>
+        <p:spPr>
+          <a:xfrm>
+            <a:off x="463525" y="0"/>
+            <a:ext cx="2181600" cy="3136200"/>
+          </a:xfrm>
+          <a:prstGeom prst="rect">
+            <a:avLst/>
+          </a:prstGeom>
+          <a:noFill/>
+          <a:ln>
+            <a:noFill/>
+          </a:ln>
+        </p:spPr>
+        <p:txBody>
+          <a:bodyPr spcFirstLastPara="1" wrap="square" lIns="91425" tIns="91425" rIns="91425" bIns="91425" anchor="b" anchorCtr="0">
+            <a:noAutofit/>
+          </a:bodyPr>
+          <a:lstStyle/>
+          <a:p>
+            <a:pPr marL="0" lvl="0" indent="0">
+              <a:spcBef>
+                <a:spcPts val="0"/>
+              </a:spcBef>
+              <a:spcAft>
+                <a:spcPts val="0"/>
+              </a:spcAft>
+              <a:buNone/>
+            </a:pPr>
+            <a:r>
+              <a:rPr lang="en" sz="12000" b="1" dirty="0">
+                <a:solidFill>
+                  <a:srgbClr val="3F5378"/>
+                </a:solidFill>
+                <a:latin typeface="Roboto Condensed"/>
+                <a:ea typeface="Roboto Condensed"/>
+                <a:cs typeface="Roboto Condensed"/>
+                <a:sym typeface="Roboto Condensed"/>
+              </a:rPr>
+              <a:t>2</a:t>
+            </a:r>
+            <a:endParaRPr sz="3000" b="1" dirty="0">
+              <a:solidFill>
+                <a:srgbClr val="3F5378"/>
+              </a:solidFill>
+              <a:latin typeface="Roboto Condensed"/>
+              <a:ea typeface="Roboto Condensed"/>
+              <a:cs typeface="Roboto Condensed"/>
+              <a:sym typeface="Roboto Condensed"/>
+            </a:endParaRPr>
           </a:p>
         </p:txBody>
       </p:sp>
     </p:spTree>
     <p:extLst>
       <p:ext uri="{BB962C8B-B14F-4D97-AF65-F5344CB8AC3E}">
-        <p14:creationId xmlns:p14="http://schemas.microsoft.com/office/powerpoint/2010/main" val="1188037795"/>
+        <p14:creationId xmlns:p14="http://schemas.microsoft.com/office/powerpoint/2010/main" val="4224522399"/>
       </p:ext>
     </p:extLst>
   </p:cSld>
@@ -6183,24 +6322,43 @@
           <a:lstStyle/>
           <a:p>
             <a:r>
-              <a:rPr lang="es-MX" dirty="0" smtClean="0"/>
-              <a:t>Esquema (</a:t>
-            </a:r>
-            <a:r>
-              <a:rPr lang="es-MX" dirty="0" err="1" smtClean="0"/>
-              <a:t>schema</a:t>
-            </a:r>
-            <a:r>
-              <a:rPr lang="es-MX" dirty="0" smtClean="0"/>
-              <a:t>): Descripción estructural de los elementos en la base de datos.</a:t>
-            </a:r>
-          </a:p>
-          <a:p>
-            <a:r>
-              <a:rPr lang="es-MX" dirty="0" smtClean="0"/>
-              <a:t>Instancia: Contenidos de la base de datos.</a:t>
-            </a:r>
-            <a:endParaRPr lang="es-MX" dirty="0"/>
+              <a:rPr lang="es-MX" sz="1800" dirty="0" smtClean="0"/>
+              <a:t>Es utilizado en la mayor parte de los sistemas de bases de datos.</a:t>
+            </a:r>
+          </a:p>
+          <a:p>
+            <a:r>
+              <a:rPr lang="es-MX" sz="1800" dirty="0" smtClean="0"/>
+              <a:t>Es un modelo muy simple</a:t>
+            </a:r>
+          </a:p>
+          <a:p>
+            <a:r>
+              <a:rPr lang="es-MX" sz="1800" dirty="0" smtClean="0"/>
+              <a:t>Se hacen las llamadas (</a:t>
+            </a:r>
+            <a:r>
+              <a:rPr lang="es-MX" sz="1800" dirty="0" err="1" smtClean="0"/>
+              <a:t>query</a:t>
+            </a:r>
+            <a:r>
+              <a:rPr lang="es-MX" sz="1800" dirty="0" smtClean="0"/>
+              <a:t>) con lenguajes de alto nivel: simple, pero expresivo.</a:t>
+            </a:r>
+          </a:p>
+          <a:p>
+            <a:pPr lvl="1"/>
+            <a:r>
+              <a:rPr lang="es-MX" sz="1800" dirty="0" smtClean="0"/>
+              <a:t>Preguntas acerca de los contenidos de la base de datos.</a:t>
+            </a:r>
+          </a:p>
+          <a:p>
+            <a:r>
+              <a:rPr lang="es-MX" sz="1800" dirty="0" smtClean="0"/>
+              <a:t>Tiene implementaciones eficientes.</a:t>
+            </a:r>
+            <a:endParaRPr lang="es-MX" sz="1800" dirty="0"/>
           </a:p>
         </p:txBody>
       </p:sp>
@@ -6239,7 +6397,7 @@
     </p:spTree>
     <p:extLst>
       <p:ext uri="{BB962C8B-B14F-4D97-AF65-F5344CB8AC3E}">
-        <p14:creationId xmlns:p14="http://schemas.microsoft.com/office/powerpoint/2010/main" val="2678264746"/>
+        <p14:creationId xmlns:p14="http://schemas.microsoft.com/office/powerpoint/2010/main" val="2713804468"/>
       </p:ext>
     </p:extLst>
   </p:cSld>
@@ -6288,11 +6446,7 @@
           <a:bodyPr/>
           <a:lstStyle/>
           <a:p>
-            <a:r>
-              <a:rPr lang="es-MX" dirty="0" smtClean="0"/>
-              <a:t>Modelo relacional</a:t>
-            </a:r>
-            <a:endParaRPr lang="es-MX" dirty="0"/>
+            <a:endParaRPr lang="es-MX"/>
           </a:p>
         </p:txBody>
       </p:sp>
@@ -6313,28 +6467,90 @@
           <a:p>
             <a:r>
               <a:rPr lang="es-MX" dirty="0" smtClean="0"/>
-              <a:t>NULL: Significa que un valor es no conocido, o no definido.</a:t>
-            </a:r>
-          </a:p>
-          <a:p>
+              <a:t>Base de datos: Conjunto de </a:t>
+            </a:r>
+            <a:r>
+              <a:rPr lang="es-MX" b="1" dirty="0" smtClean="0"/>
+              <a:t>relaciones</a:t>
+            </a:r>
             <a:r>
               <a:rPr lang="es-MX" dirty="0" smtClean="0"/>
-              <a:t>Llave (Key): Valor único para cada </a:t>
-            </a:r>
-            <a:r>
-              <a:rPr lang="es-MX" dirty="0" err="1" smtClean="0"/>
+              <a:t> (o </a:t>
+            </a:r>
+            <a:r>
+              <a:rPr lang="es-MX" b="1" dirty="0" smtClean="0"/>
+              <a:t>tablas</a:t>
+            </a:r>
+            <a:r>
+              <a:rPr lang="es-MX" dirty="0" smtClean="0"/>
+              <a:t>)</a:t>
+            </a:r>
+          </a:p>
+          <a:p>
+            <a:r>
+              <a:rPr lang="es-MX" dirty="0" smtClean="0"/>
+              <a:t>Cada relación tiene </a:t>
+            </a:r>
+            <a:r>
+              <a:rPr lang="es-MX" b="1" dirty="0" smtClean="0"/>
+              <a:t>atributos</a:t>
+            </a:r>
+            <a:r>
+              <a:rPr lang="es-MX" dirty="0" smtClean="0"/>
+              <a:t> ( o </a:t>
+            </a:r>
+            <a:r>
+              <a:rPr lang="es-MX" b="1" dirty="0" smtClean="0"/>
+              <a:t>columnas</a:t>
+            </a:r>
+            <a:r>
+              <a:rPr lang="es-MX" dirty="0" smtClean="0"/>
+              <a:t>)</a:t>
+            </a:r>
+          </a:p>
+          <a:p>
+            <a:r>
+              <a:rPr lang="es-MX" dirty="0" smtClean="0"/>
+              <a:t>Cada </a:t>
+            </a:r>
+            <a:r>
+              <a:rPr lang="es-MX" b="1" dirty="0" err="1" smtClean="0"/>
               <a:t>tuple</a:t>
             </a:r>
-            <a:endParaRPr lang="es-MX" dirty="0" smtClean="0"/>
-          </a:p>
-          <a:p>
-            <a:pPr lvl="1"/>
             <a:r>
               <a:rPr lang="es-MX" dirty="0" smtClean="0"/>
-              <a:t>También pueden ser combinaciones de atributos.</a:t>
-            </a:r>
-          </a:p>
-          <a:p>
+              <a:t> (o </a:t>
+            </a:r>
+            <a:r>
+              <a:rPr lang="es-MX" b="1" dirty="0" smtClean="0"/>
+              <a:t>renglón</a:t>
+            </a:r>
+            <a:r>
+              <a:rPr lang="es-MX" dirty="0" smtClean="0"/>
+              <a:t>) tiene valores para cada atributo. </a:t>
+            </a:r>
+          </a:p>
+          <a:p>
+            <a:r>
+              <a:rPr lang="es-MX" dirty="0" smtClean="0"/>
+              <a:t>Cada atributo tiene un </a:t>
+            </a:r>
+            <a:r>
+              <a:rPr lang="es-MX" b="1" dirty="0" smtClean="0"/>
+              <a:t>tipo</a:t>
+            </a:r>
+            <a:r>
+              <a:rPr lang="es-MX" dirty="0" smtClean="0"/>
+              <a:t> (o </a:t>
+            </a:r>
+            <a:r>
+              <a:rPr lang="es-MX" b="1" dirty="0" smtClean="0"/>
+              <a:t>dominio</a:t>
+            </a:r>
+            <a:r>
+              <a:rPr lang="es-MX" dirty="0" smtClean="0"/>
+              <a:t>)</a:t>
+            </a:r>
             <a:endParaRPr lang="es-MX" dirty="0"/>
           </a:p>
         </p:txBody>
@@ -6374,7 +6590,7 @@
     </p:spTree>
     <p:extLst>
       <p:ext uri="{BB962C8B-B14F-4D97-AF65-F5344CB8AC3E}">
-        <p14:creationId xmlns:p14="http://schemas.microsoft.com/office/powerpoint/2010/main" val="501717245"/>
+        <p14:creationId xmlns:p14="http://schemas.microsoft.com/office/powerpoint/2010/main" val="1188037795"/>
       </p:ext>
     </p:extLst>
   </p:cSld>
@@ -6410,6 +6626,66 @@
       </p:grpSpPr>
       <p:sp>
         <p:nvSpPr>
+          <p:cNvPr id="2" name="Título 1"/>
+          <p:cNvSpPr>
+            <a:spLocks noGrp="1"/>
+          </p:cNvSpPr>
+          <p:nvPr>
+            <p:ph type="title"/>
+          </p:nvPr>
+        </p:nvSpPr>
+        <p:spPr/>
+        <p:txBody>
+          <a:bodyPr/>
+          <a:lstStyle/>
+          <a:p>
+            <a:r>
+              <a:rPr lang="es-MX" dirty="0" smtClean="0"/>
+              <a:t>Modelo relacional</a:t>
+            </a:r>
+            <a:endParaRPr lang="es-MX" dirty="0"/>
+          </a:p>
+        </p:txBody>
+      </p:sp>
+      <p:sp>
+        <p:nvSpPr>
+          <p:cNvPr id="3" name="Marcador de texto 2"/>
+          <p:cNvSpPr>
+            <a:spLocks noGrp="1"/>
+          </p:cNvSpPr>
+          <p:nvPr>
+            <p:ph type="body" idx="1"/>
+          </p:nvPr>
+        </p:nvSpPr>
+        <p:spPr/>
+        <p:txBody>
+          <a:bodyPr/>
+          <a:lstStyle/>
+          <a:p>
+            <a:r>
+              <a:rPr lang="es-MX" dirty="0" smtClean="0"/>
+              <a:t>Esquema (</a:t>
+            </a:r>
+            <a:r>
+              <a:rPr lang="es-MX" dirty="0" err="1" smtClean="0"/>
+              <a:t>schema</a:t>
+            </a:r>
+            <a:r>
+              <a:rPr lang="es-MX" dirty="0" smtClean="0"/>
+              <a:t>): Descripción estructural de los elementos en la base de datos.</a:t>
+            </a:r>
+          </a:p>
+          <a:p>
+            <a:r>
+              <a:rPr lang="es-MX" dirty="0" smtClean="0"/>
+              <a:t>Instancia: Contenidos de la base de datos.</a:t>
+            </a:r>
+            <a:endParaRPr lang="es-MX" dirty="0"/>
+          </a:p>
+        </p:txBody>
+      </p:sp>
+      <p:sp>
+        <p:nvSpPr>
           <p:cNvPr id="4" name="Marcador de número de diapositiva 3"/>
           <p:cNvSpPr>
             <a:spLocks noGrp="1"/>
@@ -6435,6 +6711,210 @@
             <a:fld id="{00000000-1234-1234-1234-123412341234}" type="slidenum">
               <a:rPr lang="es-MX" smtClean="0"/>
               <a:t>13</a:t>
+            </a:fld>
+            <a:endParaRPr lang="es-MX"/>
+          </a:p>
+        </p:txBody>
+      </p:sp>
+    </p:spTree>
+    <p:extLst>
+      <p:ext uri="{BB962C8B-B14F-4D97-AF65-F5344CB8AC3E}">
+        <p14:creationId xmlns:p14="http://schemas.microsoft.com/office/powerpoint/2010/main" val="2678264746"/>
+      </p:ext>
+    </p:extLst>
+  </p:cSld>
+  <p:clrMapOvr>
+    <a:masterClrMapping/>
+  </p:clrMapOvr>
+  <p:timing>
+    <p:tnLst>
+      <p:par>
+        <p:cTn id="1" dur="indefinite" restart="never" nodeType="tmRoot"/>
+      </p:par>
+    </p:tnLst>
+  </p:timing>
+</p:sld>
+</file>
+
+<file path=ppt/slides/slide14.xml><?xml version="1.0" encoding="utf-8"?>
+<p:sld xmlns:a="http://schemas.openxmlformats.org/drawingml/2006/main" xmlns:r="http://schemas.openxmlformats.org/officeDocument/2006/relationships" xmlns:p="http://schemas.openxmlformats.org/presentationml/2006/main">
+  <p:cSld>
+    <p:spTree>
+      <p:nvGrpSpPr>
+        <p:cNvPr id="1" name=""/>
+        <p:cNvGrpSpPr/>
+        <p:nvPr/>
+      </p:nvGrpSpPr>
+      <p:grpSpPr>
+        <a:xfrm>
+          <a:off x="0" y="0"/>
+          <a:ext cx="0" cy="0"/>
+          <a:chOff x="0" y="0"/>
+          <a:chExt cx="0" cy="0"/>
+        </a:xfrm>
+      </p:grpSpPr>
+      <p:sp>
+        <p:nvSpPr>
+          <p:cNvPr id="2" name="Título 1"/>
+          <p:cNvSpPr>
+            <a:spLocks noGrp="1"/>
+          </p:cNvSpPr>
+          <p:nvPr>
+            <p:ph type="title"/>
+          </p:nvPr>
+        </p:nvSpPr>
+        <p:spPr/>
+        <p:txBody>
+          <a:bodyPr/>
+          <a:lstStyle/>
+          <a:p>
+            <a:r>
+              <a:rPr lang="es-MX" dirty="0" smtClean="0"/>
+              <a:t>Modelo relacional</a:t>
+            </a:r>
+            <a:endParaRPr lang="es-MX" dirty="0"/>
+          </a:p>
+        </p:txBody>
+      </p:sp>
+      <p:sp>
+        <p:nvSpPr>
+          <p:cNvPr id="3" name="Marcador de texto 2"/>
+          <p:cNvSpPr>
+            <a:spLocks noGrp="1"/>
+          </p:cNvSpPr>
+          <p:nvPr>
+            <p:ph type="body" idx="1"/>
+          </p:nvPr>
+        </p:nvSpPr>
+        <p:spPr/>
+        <p:txBody>
+          <a:bodyPr/>
+          <a:lstStyle/>
+          <a:p>
+            <a:r>
+              <a:rPr lang="es-MX" dirty="0" smtClean="0"/>
+              <a:t>NULL: Significa que un valor es no conocido, o no definido.</a:t>
+            </a:r>
+          </a:p>
+          <a:p>
+            <a:r>
+              <a:rPr lang="es-MX" dirty="0" smtClean="0"/>
+              <a:t>Llave (Key): Valor único para cada </a:t>
+            </a:r>
+            <a:r>
+              <a:rPr lang="es-MX" dirty="0" err="1" smtClean="0"/>
+              <a:t>tuple</a:t>
+            </a:r>
+            <a:endParaRPr lang="es-MX" dirty="0" smtClean="0"/>
+          </a:p>
+          <a:p>
+            <a:pPr lvl="1"/>
+            <a:r>
+              <a:rPr lang="es-MX" dirty="0" smtClean="0"/>
+              <a:t>También pueden ser combinaciones de atributos.</a:t>
+            </a:r>
+          </a:p>
+          <a:p>
+            <a:endParaRPr lang="es-MX" dirty="0"/>
+          </a:p>
+        </p:txBody>
+      </p:sp>
+      <p:sp>
+        <p:nvSpPr>
+          <p:cNvPr id="4" name="Marcador de número de diapositiva 3"/>
+          <p:cNvSpPr>
+            <a:spLocks noGrp="1"/>
+          </p:cNvSpPr>
+          <p:nvPr>
+            <p:ph type="sldNum" idx="12"/>
+          </p:nvPr>
+        </p:nvSpPr>
+        <p:spPr/>
+        <p:txBody>
+          <a:bodyPr/>
+          <a:lstStyle/>
+          <a:p>
+            <a:pPr marL="0" lvl="0" indent="0">
+              <a:spcBef>
+                <a:spcPts val="0"/>
+              </a:spcBef>
+              <a:spcAft>
+                <a:spcPts val="0"/>
+              </a:spcAft>
+              <a:buNone/>
+            </a:pPr>
+            <a:fld id="{00000000-1234-1234-1234-123412341234}" type="slidenum">
+              <a:rPr lang="es-MX" smtClean="0"/>
+              <a:t>14</a:t>
+            </a:fld>
+            <a:endParaRPr lang="es-MX"/>
+          </a:p>
+        </p:txBody>
+      </p:sp>
+    </p:spTree>
+    <p:extLst>
+      <p:ext uri="{BB962C8B-B14F-4D97-AF65-F5344CB8AC3E}">
+        <p14:creationId xmlns:p14="http://schemas.microsoft.com/office/powerpoint/2010/main" val="501717245"/>
+      </p:ext>
+    </p:extLst>
+  </p:cSld>
+  <p:clrMapOvr>
+    <a:masterClrMapping/>
+  </p:clrMapOvr>
+  <p:timing>
+    <p:tnLst>
+      <p:par>
+        <p:cTn id="1" dur="indefinite" restart="never" nodeType="tmRoot"/>
+      </p:par>
+    </p:tnLst>
+  </p:timing>
+</p:sld>
+</file>
+
+<file path=ppt/slides/slide15.xml><?xml version="1.0" encoding="utf-8"?>
+<p:sld xmlns:a="http://schemas.openxmlformats.org/drawingml/2006/main" xmlns:r="http://schemas.openxmlformats.org/officeDocument/2006/relationships" xmlns:p="http://schemas.openxmlformats.org/presentationml/2006/main">
+  <p:cSld>
+    <p:spTree>
+      <p:nvGrpSpPr>
+        <p:cNvPr id="1" name=""/>
+        <p:cNvGrpSpPr/>
+        <p:nvPr/>
+      </p:nvGrpSpPr>
+      <p:grpSpPr>
+        <a:xfrm>
+          <a:off x="0" y="0"/>
+          <a:ext cx="0" cy="0"/>
+          <a:chOff x="0" y="0"/>
+          <a:chExt cx="0" cy="0"/>
+        </a:xfrm>
+      </p:grpSpPr>
+      <p:sp>
+        <p:nvSpPr>
+          <p:cNvPr id="4" name="Marcador de número de diapositiva 3"/>
+          <p:cNvSpPr>
+            <a:spLocks noGrp="1"/>
+          </p:cNvSpPr>
+          <p:nvPr>
+            <p:ph type="sldNum" idx="12"/>
+          </p:nvPr>
+        </p:nvSpPr>
+        <p:spPr/>
+        <p:txBody>
+          <a:bodyPr/>
+          <a:lstStyle/>
+          <a:p>
+            <a:pPr marL="0" lvl="0" indent="0">
+              <a:spcBef>
+                <a:spcPts val="0"/>
+              </a:spcBef>
+              <a:spcAft>
+                <a:spcPts val="0"/>
+              </a:spcAft>
+              <a:buNone/>
+            </a:pPr>
+            <a:fld id="{00000000-1234-1234-1234-123412341234}" type="slidenum">
+              <a:rPr lang="es-MX" smtClean="0"/>
+              <a:t>15</a:t>
             </a:fld>
             <a:endParaRPr lang="es-MX"/>
           </a:p>
@@ -7129,7 +7609,7 @@
 </p:sld>
 </file>
 
-<file path=ppt/slides/slide14.xml><?xml version="1.0" encoding="utf-8"?>
+<file path=ppt/slides/slide16.xml><?xml version="1.0" encoding="utf-8"?>
 <p:sld xmlns:a="http://schemas.openxmlformats.org/drawingml/2006/main" xmlns:r="http://schemas.openxmlformats.org/officeDocument/2006/relationships" xmlns:p="http://schemas.openxmlformats.org/presentationml/2006/main">
   <p:cSld>
     <p:spTree>
@@ -7172,7 +7652,7 @@
             </a:pPr>
             <a:fld id="{00000000-1234-1234-1234-123412341234}" type="slidenum">
               <a:rPr lang="es-MX" smtClean="0"/>
-              <a:t>14</a:t>
+              <a:t>16</a:t>
             </a:fld>
             <a:endParaRPr lang="es-MX"/>
           </a:p>
@@ -7907,7 +8387,7 @@
 </p:sld>
 </file>
 
-<file path=ppt/slides/slide15.xml><?xml version="1.0" encoding="utf-8"?>
+<file path=ppt/slides/slide17.xml><?xml version="1.0" encoding="utf-8"?>
 <p:sld xmlns:a="http://schemas.openxmlformats.org/drawingml/2006/main" xmlns:r="http://schemas.openxmlformats.org/officeDocument/2006/relationships" xmlns:p="http://schemas.openxmlformats.org/presentationml/2006/main">
   <p:cSld>
     <p:spTree>
@@ -7998,7 +8478,7 @@
             </a:pPr>
             <a:fld id="{00000000-1234-1234-1234-123412341234}" type="slidenum">
               <a:rPr lang="es-MX" smtClean="0"/>
-              <a:t>15</a:t>
+              <a:t>17</a:t>
             </a:fld>
             <a:endParaRPr lang="es-MX"/>
           </a:p>
@@ -8017,7 +8497,7 @@
 </p:sld>
 </file>
 
-<file path=ppt/slides/slide16.xml><?xml version="1.0" encoding="utf-8"?>
+<file path=ppt/slides/slide18.xml><?xml version="1.0" encoding="utf-8"?>
 <p:sld xmlns:a="http://schemas.openxmlformats.org/drawingml/2006/main" xmlns:r="http://schemas.openxmlformats.org/officeDocument/2006/relationships" xmlns:p="http://schemas.openxmlformats.org/presentationml/2006/main">
   <p:cSld>
     <p:spTree>
@@ -8129,7 +8609,7 @@
             </a:pPr>
             <a:fld id="{00000000-1234-1234-1234-123412341234}" type="slidenum">
               <a:rPr lang="es-MX" smtClean="0"/>
-              <a:t>16</a:t>
+              <a:t>18</a:t>
             </a:fld>
             <a:endParaRPr lang="es-MX"/>
           </a:p>
@@ -8148,7 +8628,7 @@
 </p:sld>
 </file>
 
-<file path=ppt/slides/slide17.xml><?xml version="1.0" encoding="utf-8"?>
+<file path=ppt/slides/slide19.xml><?xml version="1.0" encoding="utf-8"?>
 <p:sld xmlns:a="http://schemas.openxmlformats.org/drawingml/2006/main" xmlns:r="http://schemas.openxmlformats.org/officeDocument/2006/relationships" xmlns:p="http://schemas.openxmlformats.org/presentationml/2006/main">
   <p:cSld>
     <p:spTree>
@@ -8191,7 +8671,7 @@
             </a:pPr>
             <a:fld id="{00000000-1234-1234-1234-123412341234}" type="slidenum">
               <a:rPr lang="es-MX" smtClean="0"/>
-              <a:t>17</a:t>
+              <a:t>19</a:t>
             </a:fld>
             <a:endParaRPr lang="es-MX"/>
           </a:p>
@@ -8953,7 +9433,224 @@
 </p:sld>
 </file>
 
-<file path=ppt/slides/slide18.xml><?xml version="1.0" encoding="utf-8"?>
+<file path=ppt/slides/slide2.xml><?xml version="1.0" encoding="utf-8"?>
+<p:sld xmlns:a="http://schemas.openxmlformats.org/drawingml/2006/main" xmlns:r="http://schemas.openxmlformats.org/officeDocument/2006/relationships" xmlns:p="http://schemas.openxmlformats.org/presentationml/2006/main">
+  <p:cSld>
+    <p:spTree>
+      <p:nvGrpSpPr>
+        <p:cNvPr id="1" name="Shape 220"/>
+        <p:cNvGrpSpPr/>
+        <p:nvPr/>
+      </p:nvGrpSpPr>
+      <p:grpSpPr>
+        <a:xfrm>
+          <a:off x="0" y="0"/>
+          <a:ext cx="0" cy="0"/>
+          <a:chOff x="0" y="0"/>
+          <a:chExt cx="0" cy="0"/>
+        </a:xfrm>
+      </p:grpSpPr>
+      <p:sp>
+        <p:nvSpPr>
+          <p:cNvPr id="221" name="Google Shape;221;p14"/>
+          <p:cNvSpPr txBox="1">
+            <a:spLocks noGrp="1"/>
+          </p:cNvSpPr>
+          <p:nvPr>
+            <p:ph type="ctrTitle"/>
+          </p:nvPr>
+        </p:nvSpPr>
+        <p:spPr>
+          <a:xfrm>
+            <a:off x="463525" y="2871148"/>
+            <a:ext cx="4094400" cy="1159800"/>
+          </a:xfrm>
+          <a:prstGeom prst="rect">
+            <a:avLst/>
+          </a:prstGeom>
+        </p:spPr>
+        <p:txBody>
+          <a:bodyPr spcFirstLastPara="1" wrap="square" lIns="91425" tIns="91425" rIns="91425" bIns="91425" anchor="b" anchorCtr="0">
+            <a:noAutofit/>
+          </a:bodyPr>
+          <a:lstStyle/>
+          <a:p>
+            <a:pPr marL="0" lvl="0" indent="0" rtl="0">
+              <a:spcBef>
+                <a:spcPts val="0"/>
+              </a:spcBef>
+              <a:spcAft>
+                <a:spcPts val="0"/>
+              </a:spcAft>
+              <a:buNone/>
+            </a:pPr>
+            <a:r>
+              <a:rPr lang="es-MX" dirty="0" smtClean="0"/>
+              <a:t>Poster Científico</a:t>
+            </a:r>
+            <a:endParaRPr lang="es-MX" dirty="0"/>
+          </a:p>
+        </p:txBody>
+      </p:sp>
+      <p:sp>
+        <p:nvSpPr>
+          <p:cNvPr id="222" name="Google Shape;222;p14"/>
+          <p:cNvSpPr txBox="1">
+            <a:spLocks noGrp="1"/>
+          </p:cNvSpPr>
+          <p:nvPr>
+            <p:ph type="subTitle" idx="1"/>
+          </p:nvPr>
+        </p:nvSpPr>
+        <p:spPr>
+          <a:xfrm>
+            <a:off x="463525" y="3975449"/>
+            <a:ext cx="4094400" cy="784800"/>
+          </a:xfrm>
+          <a:prstGeom prst="rect">
+            <a:avLst/>
+          </a:prstGeom>
+        </p:spPr>
+        <p:txBody>
+          <a:bodyPr spcFirstLastPara="1" wrap="square" lIns="91425" tIns="91425" rIns="91425" bIns="91425" anchor="t" anchorCtr="0">
+            <a:noAutofit/>
+          </a:bodyPr>
+          <a:lstStyle/>
+          <a:p>
+            <a:pPr marL="0" lvl="0" indent="0" rtl="0">
+              <a:spcBef>
+                <a:spcPts val="0"/>
+              </a:spcBef>
+              <a:spcAft>
+                <a:spcPts val="1000"/>
+              </a:spcAft>
+              <a:buNone/>
+            </a:pPr>
+            <a:endParaRPr lang="es-MX" dirty="0"/>
+          </a:p>
+        </p:txBody>
+      </p:sp>
+      <p:sp>
+        <p:nvSpPr>
+          <p:cNvPr id="223" name="Google Shape;223;p14"/>
+          <p:cNvSpPr txBox="1">
+            <a:spLocks noGrp="1"/>
+          </p:cNvSpPr>
+          <p:nvPr>
+            <p:ph type="sldNum" idx="12"/>
+          </p:nvPr>
+        </p:nvSpPr>
+        <p:spPr>
+          <a:xfrm>
+            <a:off x="7618000" y="4636500"/>
+            <a:ext cx="1487400" cy="315600"/>
+          </a:xfrm>
+          <a:prstGeom prst="rect">
+            <a:avLst/>
+          </a:prstGeom>
+        </p:spPr>
+        <p:txBody>
+          <a:bodyPr spcFirstLastPara="1" wrap="square" lIns="91425" tIns="91425" rIns="91425" bIns="91425" anchor="ctr" anchorCtr="0">
+            <a:noAutofit/>
+          </a:bodyPr>
+          <a:lstStyle/>
+          <a:p>
+            <a:pPr marL="0" lvl="0" indent="0">
+              <a:spcBef>
+                <a:spcPts val="0"/>
+              </a:spcBef>
+              <a:spcAft>
+                <a:spcPts val="0"/>
+              </a:spcAft>
+              <a:buNone/>
+            </a:pPr>
+            <a:fld id="{00000000-1234-1234-1234-123412341234}" type="slidenum">
+              <a:rPr lang="en"/>
+              <a:t>2</a:t>
+            </a:fld>
+            <a:endParaRPr/>
+          </a:p>
+        </p:txBody>
+      </p:sp>
+      <p:sp>
+        <p:nvSpPr>
+          <p:cNvPr id="224" name="Google Shape;224;p14"/>
+          <p:cNvSpPr txBox="1"/>
+          <p:nvPr/>
+        </p:nvSpPr>
+        <p:spPr>
+          <a:xfrm>
+            <a:off x="463525" y="0"/>
+            <a:ext cx="2181600" cy="3136200"/>
+          </a:xfrm>
+          <a:prstGeom prst="rect">
+            <a:avLst/>
+          </a:prstGeom>
+          <a:noFill/>
+          <a:ln>
+            <a:noFill/>
+          </a:ln>
+        </p:spPr>
+        <p:txBody>
+          <a:bodyPr spcFirstLastPara="1" wrap="square" lIns="91425" tIns="91425" rIns="91425" bIns="91425" anchor="b" anchorCtr="0">
+            <a:noAutofit/>
+          </a:bodyPr>
+          <a:lstStyle/>
+          <a:p>
+            <a:pPr marL="0" lvl="0" indent="0">
+              <a:spcBef>
+                <a:spcPts val="0"/>
+              </a:spcBef>
+              <a:spcAft>
+                <a:spcPts val="0"/>
+              </a:spcAft>
+              <a:buNone/>
+            </a:pPr>
+            <a:r>
+              <a:rPr lang="en" sz="12000" b="1" dirty="0">
+                <a:solidFill>
+                  <a:srgbClr val="3F5378"/>
+                </a:solidFill>
+                <a:latin typeface="Roboto Condensed"/>
+                <a:ea typeface="Roboto Condensed"/>
+                <a:cs typeface="Roboto Condensed"/>
+                <a:sym typeface="Roboto Condensed"/>
+              </a:rPr>
+              <a:t>0</a:t>
+            </a:r>
+            <a:endParaRPr sz="3000" b="1" dirty="0">
+              <a:solidFill>
+                <a:srgbClr val="3F5378"/>
+              </a:solidFill>
+              <a:latin typeface="Roboto Condensed"/>
+              <a:ea typeface="Roboto Condensed"/>
+              <a:cs typeface="Roboto Condensed"/>
+              <a:sym typeface="Roboto Condensed"/>
+            </a:endParaRPr>
+          </a:p>
+        </p:txBody>
+      </p:sp>
+    </p:spTree>
+    <p:extLst>
+      <p:ext uri="{BB962C8B-B14F-4D97-AF65-F5344CB8AC3E}">
+        <p14:creationId xmlns:p14="http://schemas.microsoft.com/office/powerpoint/2010/main" val="1190365483"/>
+      </p:ext>
+    </p:extLst>
+  </p:cSld>
+  <p:clrMapOvr>
+    <a:masterClrMapping/>
+  </p:clrMapOvr>
+  <p:timing>
+    <p:tnLst>
+      <p:par>
+        <p:cTn id="1" dur="indefinite" restart="never" nodeType="tmRoot"/>
+      </p:par>
+    </p:tnLst>
+  </p:timing>
+</p:sld>
+</file>
+
+<file path=ppt/slides/slide20.xml><?xml version="1.0" encoding="utf-8"?>
 <p:sld xmlns:a="http://schemas.openxmlformats.org/drawingml/2006/main" xmlns:r="http://schemas.openxmlformats.org/officeDocument/2006/relationships" xmlns:p="http://schemas.openxmlformats.org/presentationml/2006/main">
   <p:cSld>
     <p:spTree>
@@ -8996,7 +9693,7 @@
             </a:pPr>
             <a:fld id="{00000000-1234-1234-1234-123412341234}" type="slidenum">
               <a:rPr lang="es-MX" smtClean="0"/>
-              <a:t>18</a:t>
+              <a:t>20</a:t>
             </a:fld>
             <a:endParaRPr lang="es-MX"/>
           </a:p>
@@ -9437,7 +10134,7 @@
 </p:sld>
 </file>
 
-<file path=ppt/slides/slide19.xml><?xml version="1.0" encoding="utf-8"?>
+<file path=ppt/slides/slide21.xml><?xml version="1.0" encoding="utf-8"?>
 <p:sld xmlns:a="http://schemas.openxmlformats.org/drawingml/2006/main" xmlns:r="http://schemas.openxmlformats.org/officeDocument/2006/relationships" xmlns:p="http://schemas.openxmlformats.org/presentationml/2006/main">
   <p:cSld>
     <p:spTree>
@@ -9542,7 +10239,7 @@
             </a:pPr>
             <a:fld id="{00000000-1234-1234-1234-123412341234}" type="slidenum">
               <a:rPr lang="es-MX" smtClean="0"/>
-              <a:t>19</a:t>
+              <a:t>21</a:t>
             </a:fld>
             <a:endParaRPr lang="es-MX"/>
           </a:p>
@@ -9552,636 +10249,6 @@
     <p:extLst>
       <p:ext uri="{BB962C8B-B14F-4D97-AF65-F5344CB8AC3E}">
         <p14:creationId xmlns:p14="http://schemas.microsoft.com/office/powerpoint/2010/main" val="3914831314"/>
-      </p:ext>
-    </p:extLst>
-  </p:cSld>
-  <p:clrMapOvr>
-    <a:masterClrMapping/>
-  </p:clrMapOvr>
-  <p:timing>
-    <p:tnLst>
-      <p:par>
-        <p:cTn id="1" dur="indefinite" restart="never" nodeType="tmRoot"/>
-      </p:par>
-    </p:tnLst>
-  </p:timing>
-</p:sld>
-</file>
-
-<file path=ppt/slides/slide2.xml><?xml version="1.0" encoding="utf-8"?>
-<p:sld xmlns:a="http://schemas.openxmlformats.org/drawingml/2006/main" xmlns:r="http://schemas.openxmlformats.org/officeDocument/2006/relationships" xmlns:p="http://schemas.openxmlformats.org/presentationml/2006/main">
-  <p:cSld>
-    <p:spTree>
-      <p:nvGrpSpPr>
-        <p:cNvPr id="1" name="Shape 220"/>
-        <p:cNvGrpSpPr/>
-        <p:nvPr/>
-      </p:nvGrpSpPr>
-      <p:grpSpPr>
-        <a:xfrm>
-          <a:off x="0" y="0"/>
-          <a:ext cx="0" cy="0"/>
-          <a:chOff x="0" y="0"/>
-          <a:chExt cx="0" cy="0"/>
-        </a:xfrm>
-      </p:grpSpPr>
-      <p:sp>
-        <p:nvSpPr>
-          <p:cNvPr id="221" name="Google Shape;221;p14"/>
-          <p:cNvSpPr txBox="1">
-            <a:spLocks noGrp="1"/>
-          </p:cNvSpPr>
-          <p:nvPr>
-            <p:ph type="ctrTitle"/>
-          </p:nvPr>
-        </p:nvSpPr>
-        <p:spPr>
-          <a:xfrm>
-            <a:off x="463525" y="2871148"/>
-            <a:ext cx="4094400" cy="1159800"/>
-          </a:xfrm>
-          <a:prstGeom prst="rect">
-            <a:avLst/>
-          </a:prstGeom>
-        </p:spPr>
-        <p:txBody>
-          <a:bodyPr spcFirstLastPara="1" wrap="square" lIns="91425" tIns="91425" rIns="91425" bIns="91425" anchor="b" anchorCtr="0">
-            <a:noAutofit/>
-          </a:bodyPr>
-          <a:lstStyle/>
-          <a:p>
-            <a:pPr marL="0" lvl="0" indent="0" rtl="0">
-              <a:spcBef>
-                <a:spcPts val="0"/>
-              </a:spcBef>
-              <a:spcAft>
-                <a:spcPts val="0"/>
-              </a:spcAft>
-              <a:buNone/>
-            </a:pPr>
-            <a:r>
-              <a:rPr lang="es-MX" dirty="0" smtClean="0"/>
-              <a:t>Que se vio la clase pasada</a:t>
-            </a:r>
-            <a:endParaRPr lang="es-MX" dirty="0"/>
-          </a:p>
-        </p:txBody>
-      </p:sp>
-      <p:sp>
-        <p:nvSpPr>
-          <p:cNvPr id="222" name="Google Shape;222;p14"/>
-          <p:cNvSpPr txBox="1">
-            <a:spLocks noGrp="1"/>
-          </p:cNvSpPr>
-          <p:nvPr>
-            <p:ph type="subTitle" idx="1"/>
-          </p:nvPr>
-        </p:nvSpPr>
-        <p:spPr>
-          <a:xfrm>
-            <a:off x="463525" y="3975449"/>
-            <a:ext cx="4094400" cy="784800"/>
-          </a:xfrm>
-          <a:prstGeom prst="rect">
-            <a:avLst/>
-          </a:prstGeom>
-        </p:spPr>
-        <p:txBody>
-          <a:bodyPr spcFirstLastPara="1" wrap="square" lIns="91425" tIns="91425" rIns="91425" bIns="91425" anchor="t" anchorCtr="0">
-            <a:noAutofit/>
-          </a:bodyPr>
-          <a:lstStyle/>
-          <a:p>
-            <a:pPr marL="0" lvl="0" indent="0" rtl="0">
-              <a:spcBef>
-                <a:spcPts val="0"/>
-              </a:spcBef>
-              <a:spcAft>
-                <a:spcPts val="1000"/>
-              </a:spcAft>
-              <a:buNone/>
-            </a:pPr>
-            <a:r>
-              <a:rPr lang="es-MX" dirty="0" smtClean="0"/>
-              <a:t>Recordar es vivir!</a:t>
-            </a:r>
-            <a:endParaRPr lang="es-MX" dirty="0"/>
-          </a:p>
-        </p:txBody>
-      </p:sp>
-      <p:sp>
-        <p:nvSpPr>
-          <p:cNvPr id="223" name="Google Shape;223;p14"/>
-          <p:cNvSpPr txBox="1">
-            <a:spLocks noGrp="1"/>
-          </p:cNvSpPr>
-          <p:nvPr>
-            <p:ph type="sldNum" idx="12"/>
-          </p:nvPr>
-        </p:nvSpPr>
-        <p:spPr>
-          <a:xfrm>
-            <a:off x="7618000" y="4636500"/>
-            <a:ext cx="1487400" cy="315600"/>
-          </a:xfrm>
-          <a:prstGeom prst="rect">
-            <a:avLst/>
-          </a:prstGeom>
-        </p:spPr>
-        <p:txBody>
-          <a:bodyPr spcFirstLastPara="1" wrap="square" lIns="91425" tIns="91425" rIns="91425" bIns="91425" anchor="ctr" anchorCtr="0">
-            <a:noAutofit/>
-          </a:bodyPr>
-          <a:lstStyle/>
-          <a:p>
-            <a:pPr marL="0" lvl="0" indent="0">
-              <a:spcBef>
-                <a:spcPts val="0"/>
-              </a:spcBef>
-              <a:spcAft>
-                <a:spcPts val="0"/>
-              </a:spcAft>
-              <a:buNone/>
-            </a:pPr>
-            <a:fld id="{00000000-1234-1234-1234-123412341234}" type="slidenum">
-              <a:rPr lang="en"/>
-              <a:t>2</a:t>
-            </a:fld>
-            <a:endParaRPr/>
-          </a:p>
-        </p:txBody>
-      </p:sp>
-      <p:sp>
-        <p:nvSpPr>
-          <p:cNvPr id="224" name="Google Shape;224;p14"/>
-          <p:cNvSpPr txBox="1"/>
-          <p:nvPr/>
-        </p:nvSpPr>
-        <p:spPr>
-          <a:xfrm>
-            <a:off x="463525" y="0"/>
-            <a:ext cx="2181600" cy="3136200"/>
-          </a:xfrm>
-          <a:prstGeom prst="rect">
-            <a:avLst/>
-          </a:prstGeom>
-          <a:noFill/>
-          <a:ln>
-            <a:noFill/>
-          </a:ln>
-        </p:spPr>
-        <p:txBody>
-          <a:bodyPr spcFirstLastPara="1" wrap="square" lIns="91425" tIns="91425" rIns="91425" bIns="91425" anchor="b" anchorCtr="0">
-            <a:noAutofit/>
-          </a:bodyPr>
-          <a:lstStyle/>
-          <a:p>
-            <a:pPr marL="0" lvl="0" indent="0">
-              <a:spcBef>
-                <a:spcPts val="0"/>
-              </a:spcBef>
-              <a:spcAft>
-                <a:spcPts val="0"/>
-              </a:spcAft>
-              <a:buNone/>
-            </a:pPr>
-            <a:r>
-              <a:rPr lang="en" sz="12000" b="1" dirty="0">
-                <a:solidFill>
-                  <a:srgbClr val="3F5378"/>
-                </a:solidFill>
-                <a:latin typeface="Roboto Condensed"/>
-                <a:ea typeface="Roboto Condensed"/>
-                <a:cs typeface="Roboto Condensed"/>
-                <a:sym typeface="Roboto Condensed"/>
-              </a:rPr>
-              <a:t>1</a:t>
-            </a:r>
-            <a:endParaRPr sz="3000" b="1" dirty="0">
-              <a:solidFill>
-                <a:srgbClr val="3F5378"/>
-              </a:solidFill>
-              <a:latin typeface="Roboto Condensed"/>
-              <a:ea typeface="Roboto Condensed"/>
-              <a:cs typeface="Roboto Condensed"/>
-              <a:sym typeface="Roboto Condensed"/>
-            </a:endParaRPr>
-          </a:p>
-        </p:txBody>
-      </p:sp>
-    </p:spTree>
-    <p:extLst>
-      <p:ext uri="{BB962C8B-B14F-4D97-AF65-F5344CB8AC3E}">
-        <p14:creationId xmlns:p14="http://schemas.microsoft.com/office/powerpoint/2010/main" val="124962582"/>
-      </p:ext>
-    </p:extLst>
-  </p:cSld>
-  <p:clrMapOvr>
-    <a:masterClrMapping/>
-  </p:clrMapOvr>
-  <p:timing>
-    <p:tnLst>
-      <p:par>
-        <p:cTn id="1" dur="indefinite" restart="never" nodeType="tmRoot"/>
-      </p:par>
-    </p:tnLst>
-  </p:timing>
-</p:sld>
-</file>
-
-<file path=ppt/slides/slide20.xml><?xml version="1.0" encoding="utf-8"?>
-<p:sld xmlns:a="http://schemas.openxmlformats.org/drawingml/2006/main" xmlns:r="http://schemas.openxmlformats.org/officeDocument/2006/relationships" xmlns:p="http://schemas.openxmlformats.org/presentationml/2006/main">
-  <p:cSld>
-    <p:spTree>
-      <p:nvGrpSpPr>
-        <p:cNvPr id="1" name=""/>
-        <p:cNvGrpSpPr/>
-        <p:nvPr/>
-      </p:nvGrpSpPr>
-      <p:grpSpPr>
-        <a:xfrm>
-          <a:off x="0" y="0"/>
-          <a:ext cx="0" cy="0"/>
-          <a:chOff x="0" y="0"/>
-          <a:chExt cx="0" cy="0"/>
-        </a:xfrm>
-      </p:grpSpPr>
-      <p:sp>
-        <p:nvSpPr>
-          <p:cNvPr id="2" name="Título 1"/>
-          <p:cNvSpPr>
-            <a:spLocks noGrp="1"/>
-          </p:cNvSpPr>
-          <p:nvPr>
-            <p:ph type="title"/>
-          </p:nvPr>
-        </p:nvSpPr>
-        <p:spPr/>
-        <p:txBody>
-          <a:bodyPr/>
-          <a:lstStyle/>
-          <a:p>
-            <a:r>
-              <a:rPr lang="es-MX" dirty="0" smtClean="0"/>
-              <a:t>SQL</a:t>
-            </a:r>
-            <a:endParaRPr lang="es-MX" dirty="0"/>
-          </a:p>
-        </p:txBody>
-      </p:sp>
-      <p:sp>
-        <p:nvSpPr>
-          <p:cNvPr id="3" name="Marcador de texto 2"/>
-          <p:cNvSpPr>
-            <a:spLocks noGrp="1"/>
-          </p:cNvSpPr>
-          <p:nvPr>
-            <p:ph type="body" idx="1"/>
-          </p:nvPr>
-        </p:nvSpPr>
-        <p:spPr/>
-        <p:txBody>
-          <a:bodyPr/>
-          <a:lstStyle/>
-          <a:p>
-            <a:r>
-              <a:rPr lang="es-MX" dirty="0" err="1" smtClean="0"/>
-              <a:t>Create</a:t>
-            </a:r>
-            <a:r>
-              <a:rPr lang="es-MX" dirty="0" smtClean="0"/>
-              <a:t> </a:t>
-            </a:r>
-            <a:r>
-              <a:rPr lang="es-MX" dirty="0" err="1" smtClean="0"/>
-              <a:t>Table</a:t>
-            </a:r>
-            <a:r>
-              <a:rPr lang="es-MX" dirty="0" smtClean="0"/>
-              <a:t> </a:t>
-            </a:r>
-            <a:r>
-              <a:rPr lang="es-MX" dirty="0" err="1" smtClean="0"/>
-              <a:t>Student</a:t>
-            </a:r>
-            <a:r>
-              <a:rPr lang="es-MX" dirty="0" smtClean="0"/>
-              <a:t>(ID, Nombre, Promedio, </a:t>
-            </a:r>
-          </a:p>
-          <a:p>
-            <a:endParaRPr lang="es-MX" dirty="0"/>
-          </a:p>
-          <a:p>
-            <a:r>
-              <a:rPr lang="es-MX" dirty="0" err="1" smtClean="0"/>
-              <a:t>Create</a:t>
-            </a:r>
-            <a:r>
-              <a:rPr lang="es-MX" dirty="0" smtClean="0"/>
-              <a:t> </a:t>
-            </a:r>
-            <a:r>
-              <a:rPr lang="es-MX" dirty="0" err="1" smtClean="0"/>
-              <a:t>Table</a:t>
-            </a:r>
-            <a:r>
-              <a:rPr lang="es-MX" dirty="0" smtClean="0"/>
-              <a:t> Universidad(nombre </a:t>
-            </a:r>
-            <a:r>
-              <a:rPr lang="es-MX" dirty="0" err="1" smtClean="0"/>
-              <a:t>string</a:t>
-            </a:r>
-            <a:r>
-              <a:rPr lang="es-MX" dirty="0" smtClean="0"/>
-              <a:t>, estado </a:t>
-            </a:r>
-            <a:r>
-              <a:rPr lang="es-MX" dirty="0" err="1" smtClean="0"/>
-              <a:t>char</a:t>
-            </a:r>
-            <a:r>
-              <a:rPr lang="es-MX" dirty="0" smtClean="0"/>
-              <a:t>(4),  </a:t>
-            </a:r>
-            <a:r>
-              <a:rPr lang="es-MX" dirty="0" err="1" smtClean="0"/>
-              <a:t>pobl</a:t>
-            </a:r>
-            <a:r>
-              <a:rPr lang="es-MX" dirty="0" smtClean="0"/>
-              <a:t> </a:t>
-            </a:r>
-            <a:r>
-              <a:rPr lang="es-MX" dirty="0" err="1" smtClean="0"/>
-              <a:t>integer</a:t>
-            </a:r>
-            <a:r>
-              <a:rPr lang="es-MX" dirty="0" smtClean="0"/>
-              <a:t>)</a:t>
-            </a:r>
-            <a:endParaRPr lang="es-MX" dirty="0"/>
-          </a:p>
-        </p:txBody>
-      </p:sp>
-      <p:sp>
-        <p:nvSpPr>
-          <p:cNvPr id="4" name="Marcador de número de diapositiva 3"/>
-          <p:cNvSpPr>
-            <a:spLocks noGrp="1"/>
-          </p:cNvSpPr>
-          <p:nvPr>
-            <p:ph type="sldNum" idx="12"/>
-          </p:nvPr>
-        </p:nvSpPr>
-        <p:spPr/>
-        <p:txBody>
-          <a:bodyPr/>
-          <a:lstStyle/>
-          <a:p>
-            <a:pPr marL="0" lvl="0" indent="0">
-              <a:spcBef>
-                <a:spcPts val="0"/>
-              </a:spcBef>
-              <a:spcAft>
-                <a:spcPts val="0"/>
-              </a:spcAft>
-              <a:buNone/>
-            </a:pPr>
-            <a:fld id="{00000000-1234-1234-1234-123412341234}" type="slidenum">
-              <a:rPr lang="es-MX" smtClean="0"/>
-              <a:t>20</a:t>
-            </a:fld>
-            <a:endParaRPr lang="es-MX"/>
-          </a:p>
-        </p:txBody>
-      </p:sp>
-    </p:spTree>
-    <p:extLst>
-      <p:ext uri="{BB962C8B-B14F-4D97-AF65-F5344CB8AC3E}">
-        <p14:creationId xmlns:p14="http://schemas.microsoft.com/office/powerpoint/2010/main" val="2110557339"/>
-      </p:ext>
-    </p:extLst>
-  </p:cSld>
-  <p:clrMapOvr>
-    <a:masterClrMapping/>
-  </p:clrMapOvr>
-  <p:timing>
-    <p:tnLst>
-      <p:par>
-        <p:cTn id="1" dur="indefinite" restart="never" nodeType="tmRoot"/>
-      </p:par>
-    </p:tnLst>
-  </p:timing>
-</p:sld>
-</file>
-
-<file path=ppt/slides/slide21.xml><?xml version="1.0" encoding="utf-8"?>
-<p:sld xmlns:a="http://schemas.openxmlformats.org/drawingml/2006/main" xmlns:r="http://schemas.openxmlformats.org/officeDocument/2006/relationships" xmlns:p="http://schemas.openxmlformats.org/presentationml/2006/main">
-  <p:cSld>
-    <p:spTree>
-      <p:nvGrpSpPr>
-        <p:cNvPr id="1" name="Shape 220"/>
-        <p:cNvGrpSpPr/>
-        <p:nvPr/>
-      </p:nvGrpSpPr>
-      <p:grpSpPr>
-        <a:xfrm>
-          <a:off x="0" y="0"/>
-          <a:ext cx="0" cy="0"/>
-          <a:chOff x="0" y="0"/>
-          <a:chExt cx="0" cy="0"/>
-        </a:xfrm>
-      </p:grpSpPr>
-      <p:sp>
-        <p:nvSpPr>
-          <p:cNvPr id="221" name="Google Shape;221;p14"/>
-          <p:cNvSpPr txBox="1">
-            <a:spLocks noGrp="1"/>
-          </p:cNvSpPr>
-          <p:nvPr>
-            <p:ph type="ctrTitle"/>
-          </p:nvPr>
-        </p:nvSpPr>
-        <p:spPr>
-          <a:xfrm>
-            <a:off x="463525" y="2871148"/>
-            <a:ext cx="4094400" cy="1159800"/>
-          </a:xfrm>
-          <a:prstGeom prst="rect">
-            <a:avLst/>
-          </a:prstGeom>
-        </p:spPr>
-        <p:txBody>
-          <a:bodyPr spcFirstLastPara="1" wrap="square" lIns="91425" tIns="91425" rIns="91425" bIns="91425" anchor="b" anchorCtr="0">
-            <a:noAutofit/>
-          </a:bodyPr>
-          <a:lstStyle/>
-          <a:p>
-            <a:pPr marL="0" lvl="0" indent="0" rtl="0">
-              <a:spcBef>
-                <a:spcPts val="0"/>
-              </a:spcBef>
-              <a:spcAft>
-                <a:spcPts val="0"/>
-              </a:spcAft>
-              <a:buNone/>
-            </a:pPr>
-            <a:r>
-              <a:rPr lang="es-MX" dirty="0" smtClean="0"/>
-              <a:t>Llamados a una base de datos</a:t>
-            </a:r>
-            <a:endParaRPr lang="es-MX" dirty="0"/>
-          </a:p>
-        </p:txBody>
-      </p:sp>
-      <p:sp>
-        <p:nvSpPr>
-          <p:cNvPr id="222" name="Google Shape;222;p14"/>
-          <p:cNvSpPr txBox="1">
-            <a:spLocks noGrp="1"/>
-          </p:cNvSpPr>
-          <p:nvPr>
-            <p:ph type="subTitle" idx="1"/>
-          </p:nvPr>
-        </p:nvSpPr>
-        <p:spPr>
-          <a:xfrm>
-            <a:off x="463525" y="3975449"/>
-            <a:ext cx="4094400" cy="784800"/>
-          </a:xfrm>
-          <a:prstGeom prst="rect">
-            <a:avLst/>
-          </a:prstGeom>
-        </p:spPr>
-        <p:txBody>
-          <a:bodyPr spcFirstLastPara="1" wrap="square" lIns="91425" tIns="91425" rIns="91425" bIns="91425" anchor="t" anchorCtr="0">
-            <a:noAutofit/>
-          </a:bodyPr>
-          <a:lstStyle/>
-          <a:p>
-            <a:pPr marL="0" lvl="0" indent="0" rtl="0">
-              <a:spcBef>
-                <a:spcPts val="0"/>
-              </a:spcBef>
-              <a:spcAft>
-                <a:spcPts val="1000"/>
-              </a:spcAft>
-              <a:buNone/>
-            </a:pPr>
-            <a:r>
-              <a:rPr lang="es-MX" dirty="0" smtClean="0"/>
-              <a:t>Como usar un lenguaje de llamados</a:t>
-            </a:r>
-            <a:endParaRPr lang="es-MX" dirty="0"/>
-          </a:p>
-        </p:txBody>
-      </p:sp>
-      <p:sp>
-        <p:nvSpPr>
-          <p:cNvPr id="223" name="Google Shape;223;p14"/>
-          <p:cNvSpPr txBox="1">
-            <a:spLocks noGrp="1"/>
-          </p:cNvSpPr>
-          <p:nvPr>
-            <p:ph type="sldNum" idx="12"/>
-          </p:nvPr>
-        </p:nvSpPr>
-        <p:spPr>
-          <a:xfrm>
-            <a:off x="7618000" y="4636500"/>
-            <a:ext cx="1487400" cy="315600"/>
-          </a:xfrm>
-          <a:prstGeom prst="rect">
-            <a:avLst/>
-          </a:prstGeom>
-        </p:spPr>
-        <p:txBody>
-          <a:bodyPr spcFirstLastPara="1" wrap="square" lIns="91425" tIns="91425" rIns="91425" bIns="91425" anchor="ctr" anchorCtr="0">
-            <a:noAutofit/>
-          </a:bodyPr>
-          <a:lstStyle/>
-          <a:p>
-            <a:pPr marL="0" lvl="0" indent="0">
-              <a:spcBef>
-                <a:spcPts val="0"/>
-              </a:spcBef>
-              <a:spcAft>
-                <a:spcPts val="0"/>
-              </a:spcAft>
-              <a:buNone/>
-            </a:pPr>
-            <a:fld id="{00000000-1234-1234-1234-123412341234}" type="slidenum">
-              <a:rPr lang="en"/>
-              <a:t>21</a:t>
-            </a:fld>
-            <a:endParaRPr/>
-          </a:p>
-        </p:txBody>
-      </p:sp>
-      <p:sp>
-        <p:nvSpPr>
-          <p:cNvPr id="224" name="Google Shape;224;p14"/>
-          <p:cNvSpPr txBox="1"/>
-          <p:nvPr/>
-        </p:nvSpPr>
-        <p:spPr>
-          <a:xfrm>
-            <a:off x="463525" y="0"/>
-            <a:ext cx="2181600" cy="3136200"/>
-          </a:xfrm>
-          <a:prstGeom prst="rect">
-            <a:avLst/>
-          </a:prstGeom>
-          <a:noFill/>
-          <a:ln>
-            <a:noFill/>
-          </a:ln>
-        </p:spPr>
-        <p:txBody>
-          <a:bodyPr spcFirstLastPara="1" wrap="square" lIns="91425" tIns="91425" rIns="91425" bIns="91425" anchor="b" anchorCtr="0">
-            <a:noAutofit/>
-          </a:bodyPr>
-          <a:lstStyle/>
-          <a:p>
-            <a:pPr marL="0" lvl="0" indent="0">
-              <a:spcBef>
-                <a:spcPts val="0"/>
-              </a:spcBef>
-              <a:spcAft>
-                <a:spcPts val="0"/>
-              </a:spcAft>
-              <a:buNone/>
-            </a:pPr>
-            <a:r>
-              <a:rPr lang="en" sz="12000" b="1" dirty="0">
-                <a:solidFill>
-                  <a:srgbClr val="3F5378"/>
-                </a:solidFill>
-                <a:latin typeface="Roboto Condensed"/>
-                <a:ea typeface="Roboto Condensed"/>
-                <a:cs typeface="Roboto Condensed"/>
-                <a:sym typeface="Roboto Condensed"/>
-              </a:rPr>
-              <a:t>3</a:t>
-            </a:r>
-            <a:endParaRPr sz="3000" b="1" dirty="0">
-              <a:solidFill>
-                <a:srgbClr val="3F5378"/>
-              </a:solidFill>
-              <a:latin typeface="Roboto Condensed"/>
-              <a:ea typeface="Roboto Condensed"/>
-              <a:cs typeface="Roboto Condensed"/>
-              <a:sym typeface="Roboto Condensed"/>
-            </a:endParaRPr>
-          </a:p>
-        </p:txBody>
-      </p:sp>
-    </p:spTree>
-    <p:extLst>
-      <p:ext uri="{BB962C8B-B14F-4D97-AF65-F5344CB8AC3E}">
-        <p14:creationId xmlns:p14="http://schemas.microsoft.com/office/powerpoint/2010/main" val="2817825994"/>
       </p:ext>
     </p:extLst>
   </p:cSld>
@@ -10232,6 +10299,415 @@
           <a:p>
             <a:r>
               <a:rPr lang="es-MX" dirty="0" smtClean="0"/>
+              <a:t>SQL</a:t>
+            </a:r>
+            <a:endParaRPr lang="es-MX" dirty="0"/>
+          </a:p>
+        </p:txBody>
+      </p:sp>
+      <p:sp>
+        <p:nvSpPr>
+          <p:cNvPr id="3" name="Marcador de texto 2"/>
+          <p:cNvSpPr>
+            <a:spLocks noGrp="1"/>
+          </p:cNvSpPr>
+          <p:nvPr>
+            <p:ph type="body" idx="1"/>
+          </p:nvPr>
+        </p:nvSpPr>
+        <p:spPr/>
+        <p:txBody>
+          <a:bodyPr/>
+          <a:lstStyle/>
+          <a:p>
+            <a:r>
+              <a:rPr lang="es-MX" dirty="0" err="1" smtClean="0"/>
+              <a:t>Create</a:t>
+            </a:r>
+            <a:r>
+              <a:rPr lang="es-MX" dirty="0" smtClean="0"/>
+              <a:t> </a:t>
+            </a:r>
+            <a:r>
+              <a:rPr lang="es-MX" dirty="0" err="1" smtClean="0"/>
+              <a:t>Table</a:t>
+            </a:r>
+            <a:r>
+              <a:rPr lang="es-MX" dirty="0" smtClean="0"/>
+              <a:t> </a:t>
+            </a:r>
+            <a:r>
+              <a:rPr lang="es-MX" dirty="0" err="1" smtClean="0"/>
+              <a:t>Student</a:t>
+            </a:r>
+            <a:r>
+              <a:rPr lang="es-MX" dirty="0" smtClean="0"/>
+              <a:t>(ID, Nombre, Promedio, </a:t>
+            </a:r>
+          </a:p>
+          <a:p>
+            <a:endParaRPr lang="es-MX" dirty="0"/>
+          </a:p>
+          <a:p>
+            <a:r>
+              <a:rPr lang="es-MX" dirty="0" err="1" smtClean="0"/>
+              <a:t>Create</a:t>
+            </a:r>
+            <a:r>
+              <a:rPr lang="es-MX" dirty="0" smtClean="0"/>
+              <a:t> </a:t>
+            </a:r>
+            <a:r>
+              <a:rPr lang="es-MX" dirty="0" err="1" smtClean="0"/>
+              <a:t>Table</a:t>
+            </a:r>
+            <a:r>
+              <a:rPr lang="es-MX" dirty="0" smtClean="0"/>
+              <a:t> Universidad(nombre </a:t>
+            </a:r>
+            <a:r>
+              <a:rPr lang="es-MX" dirty="0" err="1" smtClean="0"/>
+              <a:t>string</a:t>
+            </a:r>
+            <a:r>
+              <a:rPr lang="es-MX" dirty="0" smtClean="0"/>
+              <a:t>, estado </a:t>
+            </a:r>
+            <a:r>
+              <a:rPr lang="es-MX" dirty="0" err="1" smtClean="0"/>
+              <a:t>char</a:t>
+            </a:r>
+            <a:r>
+              <a:rPr lang="es-MX" dirty="0" smtClean="0"/>
+              <a:t>(4),  </a:t>
+            </a:r>
+            <a:r>
+              <a:rPr lang="es-MX" dirty="0" err="1" smtClean="0"/>
+              <a:t>pobl</a:t>
+            </a:r>
+            <a:r>
+              <a:rPr lang="es-MX" dirty="0" smtClean="0"/>
+              <a:t> </a:t>
+            </a:r>
+            <a:r>
+              <a:rPr lang="es-MX" dirty="0" err="1" smtClean="0"/>
+              <a:t>integer</a:t>
+            </a:r>
+            <a:r>
+              <a:rPr lang="es-MX" dirty="0" smtClean="0"/>
+              <a:t>)</a:t>
+            </a:r>
+            <a:endParaRPr lang="es-MX" dirty="0"/>
+          </a:p>
+        </p:txBody>
+      </p:sp>
+      <p:sp>
+        <p:nvSpPr>
+          <p:cNvPr id="4" name="Marcador de número de diapositiva 3"/>
+          <p:cNvSpPr>
+            <a:spLocks noGrp="1"/>
+          </p:cNvSpPr>
+          <p:nvPr>
+            <p:ph type="sldNum" idx="12"/>
+          </p:nvPr>
+        </p:nvSpPr>
+        <p:spPr/>
+        <p:txBody>
+          <a:bodyPr/>
+          <a:lstStyle/>
+          <a:p>
+            <a:pPr marL="0" lvl="0" indent="0">
+              <a:spcBef>
+                <a:spcPts val="0"/>
+              </a:spcBef>
+              <a:spcAft>
+                <a:spcPts val="0"/>
+              </a:spcAft>
+              <a:buNone/>
+            </a:pPr>
+            <a:fld id="{00000000-1234-1234-1234-123412341234}" type="slidenum">
+              <a:rPr lang="es-MX" smtClean="0"/>
+              <a:t>22</a:t>
+            </a:fld>
+            <a:endParaRPr lang="es-MX"/>
+          </a:p>
+        </p:txBody>
+      </p:sp>
+    </p:spTree>
+    <p:extLst>
+      <p:ext uri="{BB962C8B-B14F-4D97-AF65-F5344CB8AC3E}">
+        <p14:creationId xmlns:p14="http://schemas.microsoft.com/office/powerpoint/2010/main" val="2110557339"/>
+      </p:ext>
+    </p:extLst>
+  </p:cSld>
+  <p:clrMapOvr>
+    <a:masterClrMapping/>
+  </p:clrMapOvr>
+  <p:timing>
+    <p:tnLst>
+      <p:par>
+        <p:cTn id="1" dur="indefinite" restart="never" nodeType="tmRoot"/>
+      </p:par>
+    </p:tnLst>
+  </p:timing>
+</p:sld>
+</file>
+
+<file path=ppt/slides/slide23.xml><?xml version="1.0" encoding="utf-8"?>
+<p:sld xmlns:a="http://schemas.openxmlformats.org/drawingml/2006/main" xmlns:r="http://schemas.openxmlformats.org/officeDocument/2006/relationships" xmlns:p="http://schemas.openxmlformats.org/presentationml/2006/main">
+  <p:cSld>
+    <p:spTree>
+      <p:nvGrpSpPr>
+        <p:cNvPr id="1" name="Shape 220"/>
+        <p:cNvGrpSpPr/>
+        <p:nvPr/>
+      </p:nvGrpSpPr>
+      <p:grpSpPr>
+        <a:xfrm>
+          <a:off x="0" y="0"/>
+          <a:ext cx="0" cy="0"/>
+          <a:chOff x="0" y="0"/>
+          <a:chExt cx="0" cy="0"/>
+        </a:xfrm>
+      </p:grpSpPr>
+      <p:sp>
+        <p:nvSpPr>
+          <p:cNvPr id="221" name="Google Shape;221;p14"/>
+          <p:cNvSpPr txBox="1">
+            <a:spLocks noGrp="1"/>
+          </p:cNvSpPr>
+          <p:nvPr>
+            <p:ph type="ctrTitle"/>
+          </p:nvPr>
+        </p:nvSpPr>
+        <p:spPr>
+          <a:xfrm>
+            <a:off x="463525" y="2871148"/>
+            <a:ext cx="4094400" cy="1159800"/>
+          </a:xfrm>
+          <a:prstGeom prst="rect">
+            <a:avLst/>
+          </a:prstGeom>
+        </p:spPr>
+        <p:txBody>
+          <a:bodyPr spcFirstLastPara="1" wrap="square" lIns="91425" tIns="91425" rIns="91425" bIns="91425" anchor="b" anchorCtr="0">
+            <a:noAutofit/>
+          </a:bodyPr>
+          <a:lstStyle/>
+          <a:p>
+            <a:pPr marL="0" lvl="0" indent="0" rtl="0">
+              <a:spcBef>
+                <a:spcPts val="0"/>
+              </a:spcBef>
+              <a:spcAft>
+                <a:spcPts val="0"/>
+              </a:spcAft>
+              <a:buNone/>
+            </a:pPr>
+            <a:r>
+              <a:rPr lang="es-MX" dirty="0" smtClean="0"/>
+              <a:t>Llamados a una base de datos</a:t>
+            </a:r>
+            <a:endParaRPr lang="es-MX" dirty="0"/>
+          </a:p>
+        </p:txBody>
+      </p:sp>
+      <p:sp>
+        <p:nvSpPr>
+          <p:cNvPr id="222" name="Google Shape;222;p14"/>
+          <p:cNvSpPr txBox="1">
+            <a:spLocks noGrp="1"/>
+          </p:cNvSpPr>
+          <p:nvPr>
+            <p:ph type="subTitle" idx="1"/>
+          </p:nvPr>
+        </p:nvSpPr>
+        <p:spPr>
+          <a:xfrm>
+            <a:off x="463525" y="3975449"/>
+            <a:ext cx="4094400" cy="784800"/>
+          </a:xfrm>
+          <a:prstGeom prst="rect">
+            <a:avLst/>
+          </a:prstGeom>
+        </p:spPr>
+        <p:txBody>
+          <a:bodyPr spcFirstLastPara="1" wrap="square" lIns="91425" tIns="91425" rIns="91425" bIns="91425" anchor="t" anchorCtr="0">
+            <a:noAutofit/>
+          </a:bodyPr>
+          <a:lstStyle/>
+          <a:p>
+            <a:pPr marL="0" lvl="0" indent="0" rtl="0">
+              <a:spcBef>
+                <a:spcPts val="0"/>
+              </a:spcBef>
+              <a:spcAft>
+                <a:spcPts val="1000"/>
+              </a:spcAft>
+              <a:buNone/>
+            </a:pPr>
+            <a:r>
+              <a:rPr lang="es-MX" dirty="0" smtClean="0"/>
+              <a:t>Como usar un lenguaje de llamados</a:t>
+            </a:r>
+            <a:endParaRPr lang="es-MX" dirty="0"/>
+          </a:p>
+        </p:txBody>
+      </p:sp>
+      <p:sp>
+        <p:nvSpPr>
+          <p:cNvPr id="223" name="Google Shape;223;p14"/>
+          <p:cNvSpPr txBox="1">
+            <a:spLocks noGrp="1"/>
+          </p:cNvSpPr>
+          <p:nvPr>
+            <p:ph type="sldNum" idx="12"/>
+          </p:nvPr>
+        </p:nvSpPr>
+        <p:spPr>
+          <a:xfrm>
+            <a:off x="7618000" y="4636500"/>
+            <a:ext cx="1487400" cy="315600"/>
+          </a:xfrm>
+          <a:prstGeom prst="rect">
+            <a:avLst/>
+          </a:prstGeom>
+        </p:spPr>
+        <p:txBody>
+          <a:bodyPr spcFirstLastPara="1" wrap="square" lIns="91425" tIns="91425" rIns="91425" bIns="91425" anchor="ctr" anchorCtr="0">
+            <a:noAutofit/>
+          </a:bodyPr>
+          <a:lstStyle/>
+          <a:p>
+            <a:pPr marL="0" lvl="0" indent="0">
+              <a:spcBef>
+                <a:spcPts val="0"/>
+              </a:spcBef>
+              <a:spcAft>
+                <a:spcPts val="0"/>
+              </a:spcAft>
+              <a:buNone/>
+            </a:pPr>
+            <a:fld id="{00000000-1234-1234-1234-123412341234}" type="slidenum">
+              <a:rPr lang="en"/>
+              <a:t>23</a:t>
+            </a:fld>
+            <a:endParaRPr/>
+          </a:p>
+        </p:txBody>
+      </p:sp>
+      <p:sp>
+        <p:nvSpPr>
+          <p:cNvPr id="224" name="Google Shape;224;p14"/>
+          <p:cNvSpPr txBox="1"/>
+          <p:nvPr/>
+        </p:nvSpPr>
+        <p:spPr>
+          <a:xfrm>
+            <a:off x="463525" y="0"/>
+            <a:ext cx="2181600" cy="3136200"/>
+          </a:xfrm>
+          <a:prstGeom prst="rect">
+            <a:avLst/>
+          </a:prstGeom>
+          <a:noFill/>
+          <a:ln>
+            <a:noFill/>
+          </a:ln>
+        </p:spPr>
+        <p:txBody>
+          <a:bodyPr spcFirstLastPara="1" wrap="square" lIns="91425" tIns="91425" rIns="91425" bIns="91425" anchor="b" anchorCtr="0">
+            <a:noAutofit/>
+          </a:bodyPr>
+          <a:lstStyle/>
+          <a:p>
+            <a:pPr marL="0" lvl="0" indent="0">
+              <a:spcBef>
+                <a:spcPts val="0"/>
+              </a:spcBef>
+              <a:spcAft>
+                <a:spcPts val="0"/>
+              </a:spcAft>
+              <a:buNone/>
+            </a:pPr>
+            <a:r>
+              <a:rPr lang="en" sz="12000" b="1" dirty="0">
+                <a:solidFill>
+                  <a:srgbClr val="3F5378"/>
+                </a:solidFill>
+                <a:latin typeface="Roboto Condensed"/>
+                <a:ea typeface="Roboto Condensed"/>
+                <a:cs typeface="Roboto Condensed"/>
+                <a:sym typeface="Roboto Condensed"/>
+              </a:rPr>
+              <a:t>3</a:t>
+            </a:r>
+            <a:endParaRPr sz="3000" b="1" dirty="0">
+              <a:solidFill>
+                <a:srgbClr val="3F5378"/>
+              </a:solidFill>
+              <a:latin typeface="Roboto Condensed"/>
+              <a:ea typeface="Roboto Condensed"/>
+              <a:cs typeface="Roboto Condensed"/>
+              <a:sym typeface="Roboto Condensed"/>
+            </a:endParaRPr>
+          </a:p>
+        </p:txBody>
+      </p:sp>
+    </p:spTree>
+    <p:extLst>
+      <p:ext uri="{BB962C8B-B14F-4D97-AF65-F5344CB8AC3E}">
+        <p14:creationId xmlns:p14="http://schemas.microsoft.com/office/powerpoint/2010/main" val="2817825994"/>
+      </p:ext>
+    </p:extLst>
+  </p:cSld>
+  <p:clrMapOvr>
+    <a:masterClrMapping/>
+  </p:clrMapOvr>
+  <p:timing>
+    <p:tnLst>
+      <p:par>
+        <p:cTn id="1" dur="indefinite" restart="never" nodeType="tmRoot"/>
+      </p:par>
+    </p:tnLst>
+  </p:timing>
+</p:sld>
+</file>
+
+<file path=ppt/slides/slide24.xml><?xml version="1.0" encoding="utf-8"?>
+<p:sld xmlns:a="http://schemas.openxmlformats.org/drawingml/2006/main" xmlns:r="http://schemas.openxmlformats.org/officeDocument/2006/relationships" xmlns:p="http://schemas.openxmlformats.org/presentationml/2006/main">
+  <p:cSld>
+    <p:spTree>
+      <p:nvGrpSpPr>
+        <p:cNvPr id="1" name=""/>
+        <p:cNvGrpSpPr/>
+        <p:nvPr/>
+      </p:nvGrpSpPr>
+      <p:grpSpPr>
+        <a:xfrm>
+          <a:off x="0" y="0"/>
+          <a:ext cx="0" cy="0"/>
+          <a:chOff x="0" y="0"/>
+          <a:chExt cx="0" cy="0"/>
+        </a:xfrm>
+      </p:grpSpPr>
+      <p:sp>
+        <p:nvSpPr>
+          <p:cNvPr id="2" name="Título 1"/>
+          <p:cNvSpPr>
+            <a:spLocks noGrp="1"/>
+          </p:cNvSpPr>
+          <p:nvPr>
+            <p:ph type="title"/>
+          </p:nvPr>
+        </p:nvSpPr>
+        <p:spPr/>
+        <p:txBody>
+          <a:bodyPr/>
+          <a:lstStyle/>
+          <a:p>
+            <a:r>
+              <a:rPr lang="es-MX" dirty="0" smtClean="0"/>
               <a:t>Pasos para crear y usar una base de datos</a:t>
             </a:r>
             <a:endParaRPr lang="es-MX" dirty="0"/>
@@ -10304,7 +10780,7 @@
             </a:pPr>
             <a:fld id="{00000000-1234-1234-1234-123412341234}" type="slidenum">
               <a:rPr lang="es-MX" smtClean="0"/>
-              <a:t>22</a:t>
+              <a:t>24</a:t>
             </a:fld>
             <a:endParaRPr lang="es-MX"/>
           </a:p>
@@ -10694,7 +11170,7 @@
 </p:sld>
 </file>
 
-<file path=ppt/slides/slide23.xml><?xml version="1.0" encoding="utf-8"?>
+<file path=ppt/slides/slide25.xml><?xml version="1.0" encoding="utf-8"?>
 <p:sld xmlns:a="http://schemas.openxmlformats.org/drawingml/2006/main" xmlns:r="http://schemas.openxmlformats.org/officeDocument/2006/relationships" xmlns:p="http://schemas.openxmlformats.org/presentationml/2006/main">
   <p:cSld>
     <p:spTree>
@@ -10795,7 +11271,7 @@
             </a:pPr>
             <a:fld id="{00000000-1234-1234-1234-123412341234}" type="slidenum">
               <a:rPr lang="es-MX" smtClean="0"/>
-              <a:t>23</a:t>
+              <a:t>25</a:t>
             </a:fld>
             <a:endParaRPr lang="es-MX"/>
           </a:p>
@@ -11470,7 +11946,7 @@
 </p:sld>
 </file>
 
-<file path=ppt/slides/slide24.xml><?xml version="1.0" encoding="utf-8"?>
+<file path=ppt/slides/slide26.xml><?xml version="1.0" encoding="utf-8"?>
 <p:sld xmlns:a="http://schemas.openxmlformats.org/drawingml/2006/main" xmlns:r="http://schemas.openxmlformats.org/officeDocument/2006/relationships" xmlns:p="http://schemas.openxmlformats.org/presentationml/2006/main">
   <p:cSld>
     <p:spTree>
@@ -11568,7 +12044,7 @@
             </a:pPr>
             <a:fld id="{00000000-1234-1234-1234-123412341234}" type="slidenum">
               <a:rPr lang="es-MX" smtClean="0"/>
-              <a:t>24</a:t>
+              <a:t>26</a:t>
             </a:fld>
             <a:endParaRPr lang="es-MX"/>
           </a:p>
@@ -12303,7 +12779,7 @@
 </p:sld>
 </file>
 
-<file path=ppt/slides/slide25.xml><?xml version="1.0" encoding="utf-8"?>
+<file path=ppt/slides/slide27.xml><?xml version="1.0" encoding="utf-8"?>
 <p:sld xmlns:a="http://schemas.openxmlformats.org/drawingml/2006/main" xmlns:r="http://schemas.openxmlformats.org/officeDocument/2006/relationships" xmlns:p="http://schemas.openxmlformats.org/presentationml/2006/main">
   <p:cSld>
     <p:spTree>
@@ -12346,7 +12822,7 @@
             </a:pPr>
             <a:fld id="{00000000-1234-1234-1234-123412341234}" type="slidenum">
               <a:rPr lang="es-MX" smtClean="0"/>
-              <a:t>25</a:t>
+              <a:t>27</a:t>
             </a:fld>
             <a:endParaRPr lang="es-MX"/>
           </a:p>
@@ -12398,7 +12874,7 @@
 </p:sld>
 </file>
 
-<file path=ppt/slides/slide26.xml><?xml version="1.0" encoding="utf-8"?>
+<file path=ppt/slides/slide28.xml><?xml version="1.0" encoding="utf-8"?>
 <p:sld xmlns:a="http://schemas.openxmlformats.org/drawingml/2006/main" xmlns:r="http://schemas.openxmlformats.org/officeDocument/2006/relationships" xmlns:p="http://schemas.openxmlformats.org/presentationml/2006/main">
   <p:cSld>
     <p:spTree>
@@ -12520,7 +12996,7 @@
             </a:pPr>
             <a:fld id="{00000000-1234-1234-1234-123412341234}" type="slidenum">
               <a:rPr lang="es-MX" smtClean="0"/>
-              <a:t>26</a:t>
+              <a:t>28</a:t>
             </a:fld>
             <a:endParaRPr lang="es-MX"/>
           </a:p>
@@ -12539,7 +13015,7 @@
 </p:sld>
 </file>
 
-<file path=ppt/slides/slide27.xml><?xml version="1.0" encoding="utf-8"?>
+<file path=ppt/slides/slide29.xml><?xml version="1.0" encoding="utf-8"?>
 <p:sld xmlns:a="http://schemas.openxmlformats.org/drawingml/2006/main" xmlns:r="http://schemas.openxmlformats.org/officeDocument/2006/relationships" xmlns:p="http://schemas.openxmlformats.org/presentationml/2006/main">
   <p:cSld>
     <p:spTree>
@@ -12649,7 +13125,7 @@
             </a:pPr>
             <a:fld id="{00000000-1234-1234-1234-123412341234}" type="slidenum">
               <a:rPr lang="es-MX" smtClean="0"/>
-              <a:t>27</a:t>
+              <a:t>29</a:t>
             </a:fld>
             <a:endParaRPr lang="es-MX"/>
           </a:p>
@@ -12668,7 +13144,110 @@
 </p:sld>
 </file>
 
-<file path=ppt/slides/slide28.xml><?xml version="1.0" encoding="utf-8"?>
+<file path=ppt/slides/slide3.xml><?xml version="1.0" encoding="utf-8"?>
+<p:sld xmlns:a="http://schemas.openxmlformats.org/drawingml/2006/main" xmlns:r="http://schemas.openxmlformats.org/officeDocument/2006/relationships" xmlns:p="http://schemas.openxmlformats.org/presentationml/2006/main">
+  <p:cSld>
+    <p:spTree>
+      <p:nvGrpSpPr>
+        <p:cNvPr id="1" name=""/>
+        <p:cNvGrpSpPr/>
+        <p:nvPr/>
+      </p:nvGrpSpPr>
+      <p:grpSpPr>
+        <a:xfrm>
+          <a:off x="0" y="0"/>
+          <a:ext cx="0" cy="0"/>
+          <a:chOff x="0" y="0"/>
+          <a:chExt cx="0" cy="0"/>
+        </a:xfrm>
+      </p:grpSpPr>
+      <p:sp>
+        <p:nvSpPr>
+          <p:cNvPr id="4" name="Marcador de número de diapositiva 3"/>
+          <p:cNvSpPr>
+            <a:spLocks noGrp="1"/>
+          </p:cNvSpPr>
+          <p:nvPr>
+            <p:ph type="sldNum" idx="12"/>
+          </p:nvPr>
+        </p:nvSpPr>
+        <p:spPr/>
+        <p:txBody>
+          <a:bodyPr/>
+          <a:lstStyle/>
+          <a:p>
+            <a:pPr marL="0" lvl="0" indent="0">
+              <a:spcBef>
+                <a:spcPts val="0"/>
+              </a:spcBef>
+              <a:spcAft>
+                <a:spcPts val="0"/>
+              </a:spcAft>
+              <a:buNone/>
+            </a:pPr>
+            <a:fld id="{00000000-1234-1234-1234-123412341234}" type="slidenum">
+              <a:rPr lang="es-MX" smtClean="0"/>
+              <a:t>3</a:t>
+            </a:fld>
+            <a:endParaRPr lang="es-MX"/>
+          </a:p>
+        </p:txBody>
+      </p:sp>
+      <p:pic>
+        <p:nvPicPr>
+          <p:cNvPr id="1026" name="Picture 2" descr="Image result for scientific poster comic"/>
+          <p:cNvPicPr>
+            <a:picLocks noChangeAspect="1" noChangeArrowheads="1"/>
+          </p:cNvPicPr>
+          <p:nvPr/>
+        </p:nvPicPr>
+        <p:blipFill>
+          <a:blip r:embed="rId2">
+            <a:extLst>
+              <a:ext uri="{28A0092B-C50C-407E-A947-70E740481C1C}">
+                <a14:useLocalDpi xmlns:a14="http://schemas.microsoft.com/office/drawing/2010/main" val="0"/>
+              </a:ext>
+            </a:extLst>
+          </a:blip>
+          <a:srcRect/>
+          <a:stretch>
+            <a:fillRect/>
+          </a:stretch>
+        </p:blipFill>
+        <p:spPr bwMode="auto">
+          <a:xfrm>
+            <a:off x="2442753" y="1085395"/>
+            <a:ext cx="3207929" cy="3207929"/>
+          </a:xfrm>
+          <a:prstGeom prst="rect">
+            <a:avLst/>
+          </a:prstGeom>
+          <a:noFill/>
+          <a:extLst>
+            <a:ext uri="{909E8E84-426E-40DD-AFC4-6F175D3DCCD1}">
+              <a14:hiddenFill xmlns:a14="http://schemas.microsoft.com/office/drawing/2010/main">
+                <a:solidFill>
+                  <a:srgbClr val="FFFFFF"/>
+                </a:solidFill>
+              </a14:hiddenFill>
+            </a:ext>
+          </a:extLst>
+        </p:spPr>
+      </p:pic>
+    </p:spTree>
+    <p:extLst>
+      <p:ext uri="{BB962C8B-B14F-4D97-AF65-F5344CB8AC3E}">
+        <p14:creationId xmlns:p14="http://schemas.microsoft.com/office/powerpoint/2010/main" val="2004832129"/>
+      </p:ext>
+    </p:extLst>
+  </p:cSld>
+  <p:clrMapOvr>
+    <a:masterClrMapping/>
+  </p:clrMapOvr>
+</p:sld>
+</file>
+
+<file path=ppt/slides/slide30.xml><?xml version="1.0" encoding="utf-8"?>
 <p:sld xmlns:a="http://schemas.openxmlformats.org/drawingml/2006/main" xmlns:r="http://schemas.openxmlformats.org/officeDocument/2006/relationships" xmlns:p="http://schemas.openxmlformats.org/presentationml/2006/main">
   <p:cSld>
     <p:spTree>
@@ -12742,7 +13321,7 @@
             </a:pPr>
             <a:fld id="{00000000-1234-1234-1234-123412341234}" type="slidenum">
               <a:rPr lang="es-MX" smtClean="0"/>
-              <a:t>28</a:t>
+              <a:t>30</a:t>
             </a:fld>
             <a:endParaRPr lang="es-MX"/>
           </a:p>
@@ -13807,7 +14386,7 @@
 </p:sld>
 </file>
 
-<file path=ppt/slides/slide29.xml><?xml version="1.0" encoding="utf-8"?>
+<file path=ppt/slides/slide31.xml><?xml version="1.0" encoding="utf-8"?>
 <p:sld xmlns:a="http://schemas.openxmlformats.org/drawingml/2006/main" xmlns:r="http://schemas.openxmlformats.org/officeDocument/2006/relationships" xmlns:p="http://schemas.openxmlformats.org/presentationml/2006/main">
   <p:cSld>
     <p:spTree>
@@ -13888,7 +14467,7 @@
             </a:pPr>
             <a:fld id="{00000000-1234-1234-1234-123412341234}" type="slidenum">
               <a:rPr lang="es-MX" smtClean="0"/>
-              <a:t>29</a:t>
+              <a:t>31</a:t>
             </a:fld>
             <a:endParaRPr lang="es-MX"/>
           </a:p>
@@ -13948,7 +14527,228 @@
 </p:sld>
 </file>
 
-<file path=ppt/slides/slide3.xml><?xml version="1.0" encoding="utf-8"?>
+<file path=ppt/slides/slide4.xml><?xml version="1.0" encoding="utf-8"?>
+<p:sld xmlns:a="http://schemas.openxmlformats.org/drawingml/2006/main" xmlns:r="http://schemas.openxmlformats.org/officeDocument/2006/relationships" xmlns:p="http://schemas.openxmlformats.org/presentationml/2006/main">
+  <p:cSld>
+    <p:spTree>
+      <p:nvGrpSpPr>
+        <p:cNvPr id="1" name="Shape 220"/>
+        <p:cNvGrpSpPr/>
+        <p:nvPr/>
+      </p:nvGrpSpPr>
+      <p:grpSpPr>
+        <a:xfrm>
+          <a:off x="0" y="0"/>
+          <a:ext cx="0" cy="0"/>
+          <a:chOff x="0" y="0"/>
+          <a:chExt cx="0" cy="0"/>
+        </a:xfrm>
+      </p:grpSpPr>
+      <p:sp>
+        <p:nvSpPr>
+          <p:cNvPr id="221" name="Google Shape;221;p14"/>
+          <p:cNvSpPr txBox="1">
+            <a:spLocks noGrp="1"/>
+          </p:cNvSpPr>
+          <p:nvPr>
+            <p:ph type="ctrTitle"/>
+          </p:nvPr>
+        </p:nvSpPr>
+        <p:spPr>
+          <a:xfrm>
+            <a:off x="463525" y="2871148"/>
+            <a:ext cx="4094400" cy="1159800"/>
+          </a:xfrm>
+          <a:prstGeom prst="rect">
+            <a:avLst/>
+          </a:prstGeom>
+        </p:spPr>
+        <p:txBody>
+          <a:bodyPr spcFirstLastPara="1" wrap="square" lIns="91425" tIns="91425" rIns="91425" bIns="91425" anchor="b" anchorCtr="0">
+            <a:noAutofit/>
+          </a:bodyPr>
+          <a:lstStyle/>
+          <a:p>
+            <a:pPr marL="0" lvl="0" indent="0" rtl="0">
+              <a:spcBef>
+                <a:spcPts val="0"/>
+              </a:spcBef>
+              <a:spcAft>
+                <a:spcPts val="0"/>
+              </a:spcAft>
+              <a:buNone/>
+            </a:pPr>
+            <a:r>
+              <a:rPr lang="es-MX" dirty="0" smtClean="0"/>
+              <a:t>Que se vio la clase pasada</a:t>
+            </a:r>
+            <a:endParaRPr lang="es-MX" dirty="0"/>
+          </a:p>
+        </p:txBody>
+      </p:sp>
+      <p:sp>
+        <p:nvSpPr>
+          <p:cNvPr id="222" name="Google Shape;222;p14"/>
+          <p:cNvSpPr txBox="1">
+            <a:spLocks noGrp="1"/>
+          </p:cNvSpPr>
+          <p:nvPr>
+            <p:ph type="subTitle" idx="1"/>
+          </p:nvPr>
+        </p:nvSpPr>
+        <p:spPr>
+          <a:xfrm>
+            <a:off x="463525" y="3975449"/>
+            <a:ext cx="4094400" cy="784800"/>
+          </a:xfrm>
+          <a:prstGeom prst="rect">
+            <a:avLst/>
+          </a:prstGeom>
+        </p:spPr>
+        <p:txBody>
+          <a:bodyPr spcFirstLastPara="1" wrap="square" lIns="91425" tIns="91425" rIns="91425" bIns="91425" anchor="t" anchorCtr="0">
+            <a:noAutofit/>
+          </a:bodyPr>
+          <a:lstStyle/>
+          <a:p>
+            <a:pPr marL="0" lvl="0" indent="0" rtl="0">
+              <a:spcBef>
+                <a:spcPts val="0"/>
+              </a:spcBef>
+              <a:spcAft>
+                <a:spcPts val="1000"/>
+              </a:spcAft>
+              <a:buNone/>
+            </a:pPr>
+            <a:r>
+              <a:rPr lang="es-MX" dirty="0" smtClean="0"/>
+              <a:t>Recordar es vivir!</a:t>
+            </a:r>
+            <a:endParaRPr lang="es-MX" dirty="0"/>
+          </a:p>
+        </p:txBody>
+      </p:sp>
+      <p:sp>
+        <p:nvSpPr>
+          <p:cNvPr id="223" name="Google Shape;223;p14"/>
+          <p:cNvSpPr txBox="1">
+            <a:spLocks noGrp="1"/>
+          </p:cNvSpPr>
+          <p:nvPr>
+            <p:ph type="sldNum" idx="12"/>
+          </p:nvPr>
+        </p:nvSpPr>
+        <p:spPr>
+          <a:xfrm>
+            <a:off x="7618000" y="4636500"/>
+            <a:ext cx="1487400" cy="315600"/>
+          </a:xfrm>
+          <a:prstGeom prst="rect">
+            <a:avLst/>
+          </a:prstGeom>
+        </p:spPr>
+        <p:txBody>
+          <a:bodyPr spcFirstLastPara="1" wrap="square" lIns="91425" tIns="91425" rIns="91425" bIns="91425" anchor="ctr" anchorCtr="0">
+            <a:noAutofit/>
+          </a:bodyPr>
+          <a:lstStyle/>
+          <a:p>
+            <a:pPr marL="0" lvl="0" indent="0">
+              <a:spcBef>
+                <a:spcPts val="0"/>
+              </a:spcBef>
+              <a:spcAft>
+                <a:spcPts val="0"/>
+              </a:spcAft>
+              <a:buNone/>
+            </a:pPr>
+            <a:fld id="{00000000-1234-1234-1234-123412341234}" type="slidenum">
+              <a:rPr lang="en"/>
+              <a:t>4</a:t>
+            </a:fld>
+            <a:endParaRPr/>
+          </a:p>
+        </p:txBody>
+      </p:sp>
+      <p:sp>
+        <p:nvSpPr>
+          <p:cNvPr id="224" name="Google Shape;224;p14"/>
+          <p:cNvSpPr txBox="1"/>
+          <p:nvPr/>
+        </p:nvSpPr>
+        <p:spPr>
+          <a:xfrm>
+            <a:off x="463525" y="0"/>
+            <a:ext cx="2181600" cy="3136200"/>
+          </a:xfrm>
+          <a:prstGeom prst="rect">
+            <a:avLst/>
+          </a:prstGeom>
+          <a:noFill/>
+          <a:ln>
+            <a:noFill/>
+          </a:ln>
+        </p:spPr>
+        <p:txBody>
+          <a:bodyPr spcFirstLastPara="1" wrap="square" lIns="91425" tIns="91425" rIns="91425" bIns="91425" anchor="b" anchorCtr="0">
+            <a:noAutofit/>
+          </a:bodyPr>
+          <a:lstStyle/>
+          <a:p>
+            <a:pPr marL="0" lvl="0" indent="0">
+              <a:spcBef>
+                <a:spcPts val="0"/>
+              </a:spcBef>
+              <a:spcAft>
+                <a:spcPts val="0"/>
+              </a:spcAft>
+              <a:buNone/>
+            </a:pPr>
+            <a:r>
+              <a:rPr lang="en" sz="12000" b="1" dirty="0">
+                <a:solidFill>
+                  <a:srgbClr val="3F5378"/>
+                </a:solidFill>
+                <a:latin typeface="Roboto Condensed"/>
+                <a:ea typeface="Roboto Condensed"/>
+                <a:cs typeface="Roboto Condensed"/>
+                <a:sym typeface="Roboto Condensed"/>
+              </a:rPr>
+              <a:t>1</a:t>
+            </a:r>
+            <a:endParaRPr sz="3000" b="1" dirty="0">
+              <a:solidFill>
+                <a:srgbClr val="3F5378"/>
+              </a:solidFill>
+              <a:latin typeface="Roboto Condensed"/>
+              <a:ea typeface="Roboto Condensed"/>
+              <a:cs typeface="Roboto Condensed"/>
+              <a:sym typeface="Roboto Condensed"/>
+            </a:endParaRPr>
+          </a:p>
+        </p:txBody>
+      </p:sp>
+    </p:spTree>
+    <p:extLst>
+      <p:ext uri="{BB962C8B-B14F-4D97-AF65-F5344CB8AC3E}">
+        <p14:creationId xmlns:p14="http://schemas.microsoft.com/office/powerpoint/2010/main" val="124962582"/>
+      </p:ext>
+    </p:extLst>
+  </p:cSld>
+  <p:clrMapOvr>
+    <a:masterClrMapping/>
+  </p:clrMapOvr>
+  <p:timing>
+    <p:tnLst>
+      <p:par>
+        <p:cTn id="1" dur="indefinite" restart="never" nodeType="tmRoot"/>
+      </p:par>
+    </p:tnLst>
+  </p:timing>
+</p:sld>
+</file>
+
+<file path=ppt/slides/slide5.xml><?xml version="1.0" encoding="utf-8"?>
 <p:sld xmlns:a="http://schemas.openxmlformats.org/drawingml/2006/main" xmlns:r="http://schemas.openxmlformats.org/officeDocument/2006/relationships" xmlns:p="http://schemas.openxmlformats.org/presentationml/2006/main">
   <p:cSld>
     <p:spTree>
@@ -13991,7 +14791,7 @@
             </a:pPr>
             <a:fld id="{00000000-1234-1234-1234-123412341234}" type="slidenum">
               <a:rPr lang="es-MX" smtClean="0"/>
-              <a:t>3</a:t>
+              <a:t>5</a:t>
             </a:fld>
             <a:endParaRPr lang="es-MX"/>
           </a:p>
@@ -14058,277 +14858,6 @@
 </p:sld>
 </file>
 
-<file path=ppt/slides/slide4.xml><?xml version="1.0" encoding="utf-8"?>
-<p:sld xmlns:a="http://schemas.openxmlformats.org/drawingml/2006/main" xmlns:r="http://schemas.openxmlformats.org/officeDocument/2006/relationships" xmlns:p="http://schemas.openxmlformats.org/presentationml/2006/main">
-  <p:cSld>
-    <p:spTree>
-      <p:nvGrpSpPr>
-        <p:cNvPr id="1" name=""/>
-        <p:cNvGrpSpPr/>
-        <p:nvPr/>
-      </p:nvGrpSpPr>
-      <p:grpSpPr>
-        <a:xfrm>
-          <a:off x="0" y="0"/>
-          <a:ext cx="0" cy="0"/>
-          <a:chOff x="0" y="0"/>
-          <a:chExt cx="0" cy="0"/>
-        </a:xfrm>
-      </p:grpSpPr>
-      <p:sp>
-        <p:nvSpPr>
-          <p:cNvPr id="2" name="Título 1"/>
-          <p:cNvSpPr>
-            <a:spLocks noGrp="1"/>
-          </p:cNvSpPr>
-          <p:nvPr>
-            <p:ph type="title"/>
-          </p:nvPr>
-        </p:nvSpPr>
-        <p:spPr/>
-        <p:txBody>
-          <a:bodyPr/>
-          <a:lstStyle/>
-          <a:p>
-            <a:r>
-              <a:rPr lang="es-MX" dirty="0" smtClean="0"/>
-              <a:t>Introducción</a:t>
-            </a:r>
-            <a:endParaRPr lang="es-MX" dirty="0"/>
-          </a:p>
-        </p:txBody>
-      </p:sp>
-      <p:sp>
-        <p:nvSpPr>
-          <p:cNvPr id="3" name="Marcador de texto 2"/>
-          <p:cNvSpPr>
-            <a:spLocks noGrp="1"/>
-          </p:cNvSpPr>
-          <p:nvPr>
-            <p:ph type="body" idx="1"/>
-          </p:nvPr>
-        </p:nvSpPr>
-        <p:spPr/>
-        <p:txBody>
-          <a:bodyPr/>
-          <a:lstStyle/>
-          <a:p>
-            <a:r>
-              <a:rPr lang="es-MX" dirty="0" smtClean="0"/>
-              <a:t>Un Sistema manejador de base de datos(SMBD) provee almacenamiento y acceso a una cantidad masiva y persistente de datos de una manera  eficiente, confiable, conveniente y seguro para múltiples usuarios.</a:t>
-            </a:r>
-            <a:endParaRPr lang="es-MX" dirty="0"/>
-          </a:p>
-        </p:txBody>
-      </p:sp>
-      <p:sp>
-        <p:nvSpPr>
-          <p:cNvPr id="4" name="Marcador de número de diapositiva 3"/>
-          <p:cNvSpPr>
-            <a:spLocks noGrp="1"/>
-          </p:cNvSpPr>
-          <p:nvPr>
-            <p:ph type="sldNum" idx="12"/>
-          </p:nvPr>
-        </p:nvSpPr>
-        <p:spPr/>
-        <p:txBody>
-          <a:bodyPr/>
-          <a:lstStyle/>
-          <a:p>
-            <a:pPr marL="0" lvl="0" indent="0">
-              <a:spcBef>
-                <a:spcPts val="0"/>
-              </a:spcBef>
-              <a:spcAft>
-                <a:spcPts val="0"/>
-              </a:spcAft>
-              <a:buNone/>
-            </a:pPr>
-            <a:fld id="{00000000-1234-1234-1234-123412341234}" type="slidenum">
-              <a:rPr lang="es-MX" smtClean="0"/>
-              <a:t>4</a:t>
-            </a:fld>
-            <a:endParaRPr lang="es-MX"/>
-          </a:p>
-        </p:txBody>
-      </p:sp>
-    </p:spTree>
-    <p:extLst>
-      <p:ext uri="{BB962C8B-B14F-4D97-AF65-F5344CB8AC3E}">
-        <p14:creationId xmlns:p14="http://schemas.microsoft.com/office/powerpoint/2010/main" val="2405242351"/>
-      </p:ext>
-    </p:extLst>
-  </p:cSld>
-  <p:clrMapOvr>
-    <a:masterClrMapping/>
-  </p:clrMapOvr>
-  <p:timing>
-    <p:tnLst>
-      <p:par>
-        <p:cTn id="1" dur="indefinite" restart="never" nodeType="tmRoot"/>
-      </p:par>
-    </p:tnLst>
-  </p:timing>
-</p:sld>
-</file>
-
-<file path=ppt/slides/slide5.xml><?xml version="1.0" encoding="utf-8"?>
-<p:sld xmlns:a="http://schemas.openxmlformats.org/drawingml/2006/main" xmlns:r="http://schemas.openxmlformats.org/officeDocument/2006/relationships" xmlns:p="http://schemas.openxmlformats.org/presentationml/2006/main">
-  <p:cSld>
-    <p:spTree>
-      <p:nvGrpSpPr>
-        <p:cNvPr id="1" name=""/>
-        <p:cNvGrpSpPr/>
-        <p:nvPr/>
-      </p:nvGrpSpPr>
-      <p:grpSpPr>
-        <a:xfrm>
-          <a:off x="0" y="0"/>
-          <a:ext cx="0" cy="0"/>
-          <a:chOff x="0" y="0"/>
-          <a:chExt cx="0" cy="0"/>
-        </a:xfrm>
-      </p:grpSpPr>
-      <p:sp>
-        <p:nvSpPr>
-          <p:cNvPr id="2" name="Título 1"/>
-          <p:cNvSpPr>
-            <a:spLocks noGrp="1"/>
-          </p:cNvSpPr>
-          <p:nvPr>
-            <p:ph type="title"/>
-          </p:nvPr>
-        </p:nvSpPr>
-        <p:spPr/>
-        <p:txBody>
-          <a:bodyPr/>
-          <a:lstStyle/>
-          <a:p>
-            <a:r>
-              <a:rPr lang="es-MX" dirty="0" smtClean="0"/>
-              <a:t>Introducción</a:t>
-            </a:r>
-            <a:endParaRPr lang="es-MX" dirty="0"/>
-          </a:p>
-        </p:txBody>
-      </p:sp>
-      <p:sp>
-        <p:nvSpPr>
-          <p:cNvPr id="3" name="Marcador de texto 2"/>
-          <p:cNvSpPr>
-            <a:spLocks noGrp="1"/>
-          </p:cNvSpPr>
-          <p:nvPr>
-            <p:ph type="body" idx="1"/>
-          </p:nvPr>
-        </p:nvSpPr>
-        <p:spPr/>
-        <p:txBody>
-          <a:bodyPr/>
-          <a:lstStyle/>
-          <a:p>
-            <a:r>
-              <a:rPr lang="es-MX" sz="2000" dirty="0" smtClean="0"/>
-              <a:t>Masivo : Terabytes</a:t>
-            </a:r>
-          </a:p>
-          <a:p>
-            <a:r>
-              <a:rPr lang="es-MX" sz="2000" dirty="0" smtClean="0"/>
-              <a:t>Persistente</a:t>
-            </a:r>
-          </a:p>
-          <a:p>
-            <a:r>
-              <a:rPr lang="es-MX" sz="2000" dirty="0" smtClean="0"/>
-              <a:t>Seguro: Hardware, software, energía, usuarios</a:t>
-            </a:r>
-          </a:p>
-          <a:p>
-            <a:r>
-              <a:rPr lang="es-MX" sz="2000" dirty="0" smtClean="0"/>
-              <a:t>Multiusuario: Control de concurrencia</a:t>
-            </a:r>
-          </a:p>
-          <a:p>
-            <a:r>
-              <a:rPr lang="es-MX" sz="2000" dirty="0" smtClean="0"/>
-              <a:t>Conveniente: Lenguaje de </a:t>
-            </a:r>
-            <a:r>
-              <a:rPr lang="es-MX" sz="2000" dirty="0" err="1" smtClean="0"/>
-              <a:t>query</a:t>
-            </a:r>
-            <a:endParaRPr lang="es-MX" sz="2000" dirty="0" smtClean="0"/>
-          </a:p>
-          <a:p>
-            <a:r>
-              <a:rPr lang="es-MX" sz="2000" dirty="0" smtClean="0"/>
-              <a:t>Eficiente: Miles de llamados/actualizaciones por segundo</a:t>
-            </a:r>
-          </a:p>
-          <a:p>
-            <a:r>
-              <a:rPr lang="es-MX" sz="2000" dirty="0" smtClean="0"/>
-              <a:t>Confiable: 99.999%</a:t>
-            </a:r>
-            <a:endParaRPr lang="es-MX" sz="2000" dirty="0"/>
-          </a:p>
-        </p:txBody>
-      </p:sp>
-      <p:sp>
-        <p:nvSpPr>
-          <p:cNvPr id="4" name="Marcador de número de diapositiva 3"/>
-          <p:cNvSpPr>
-            <a:spLocks noGrp="1"/>
-          </p:cNvSpPr>
-          <p:nvPr>
-            <p:ph type="sldNum" idx="12"/>
-          </p:nvPr>
-        </p:nvSpPr>
-        <p:spPr/>
-        <p:txBody>
-          <a:bodyPr/>
-          <a:lstStyle/>
-          <a:p>
-            <a:pPr marL="0" lvl="0" indent="0">
-              <a:spcBef>
-                <a:spcPts val="0"/>
-              </a:spcBef>
-              <a:spcAft>
-                <a:spcPts val="0"/>
-              </a:spcAft>
-              <a:buNone/>
-            </a:pPr>
-            <a:fld id="{00000000-1234-1234-1234-123412341234}" type="slidenum">
-              <a:rPr lang="es-MX" smtClean="0"/>
-              <a:t>5</a:t>
-            </a:fld>
-            <a:endParaRPr lang="es-MX"/>
-          </a:p>
-        </p:txBody>
-      </p:sp>
-    </p:spTree>
-    <p:extLst>
-      <p:ext uri="{BB962C8B-B14F-4D97-AF65-F5344CB8AC3E}">
-        <p14:creationId xmlns:p14="http://schemas.microsoft.com/office/powerpoint/2010/main" val="1621214791"/>
-      </p:ext>
-    </p:extLst>
-  </p:cSld>
-  <p:clrMapOvr>
-    <a:masterClrMapping/>
-  </p:clrMapOvr>
-  <p:timing>
-    <p:tnLst>
-      <p:par>
-        <p:cTn id="1" dur="indefinite" restart="never" nodeType="tmRoot"/>
-      </p:par>
-    </p:tnLst>
-  </p:timing>
-</p:sld>
-</file>
-
 <file path=ppt/slides/slide6.xml><?xml version="1.0" encoding="utf-8"?>
 <p:sld xmlns:a="http://schemas.openxmlformats.org/drawingml/2006/main" xmlns:r="http://schemas.openxmlformats.org/officeDocument/2006/relationships" xmlns:p="http://schemas.openxmlformats.org/presentationml/2006/main">
   <p:cSld>
@@ -14363,7 +14892,7 @@
           <a:p>
             <a:r>
               <a:rPr lang="es-MX" dirty="0" smtClean="0"/>
-              <a:t>Conceptos clave</a:t>
+              <a:t>Introducción</a:t>
             </a:r>
             <a:endParaRPr lang="es-MX" dirty="0"/>
           </a:p>
@@ -14385,97 +14914,10 @@
           <a:lstStyle/>
           <a:p>
             <a:r>
-              <a:rPr lang="es-MX" sz="2000" dirty="0" smtClean="0"/>
-              <a:t>Modelo de datos:</a:t>
-            </a:r>
-          </a:p>
-          <a:p>
-            <a:pPr lvl="1"/>
-            <a:r>
-              <a:rPr lang="es-MX" sz="2000" dirty="0" smtClean="0"/>
-              <a:t>Datos, XML, Gráfica</a:t>
-            </a:r>
-          </a:p>
-          <a:p>
-            <a:r>
-              <a:rPr lang="es-MX" sz="2000" dirty="0" err="1" smtClean="0"/>
-              <a:t>Schema</a:t>
-            </a:r>
-            <a:r>
-              <a:rPr lang="es-MX" sz="2000" dirty="0" smtClean="0"/>
-              <a:t> vs Datos</a:t>
-            </a:r>
-          </a:p>
-          <a:p>
-            <a:pPr lvl="1"/>
-            <a:r>
-              <a:rPr lang="es-MX" sz="2000" dirty="0" smtClean="0"/>
-              <a:t>Tipo de datos, variables</a:t>
-            </a:r>
-          </a:p>
-          <a:p>
-            <a:r>
-              <a:rPr lang="es-MX" sz="2000" dirty="0" smtClean="0"/>
-              <a:t>DDL (Data </a:t>
-            </a:r>
-            <a:r>
-              <a:rPr lang="es-MX" sz="2000" dirty="0" err="1" smtClean="0"/>
-              <a:t>Definition</a:t>
-            </a:r>
-            <a:r>
-              <a:rPr lang="es-MX" sz="2000" dirty="0" smtClean="0"/>
-              <a:t> </a:t>
-            </a:r>
-            <a:r>
-              <a:rPr lang="es-MX" sz="2000" dirty="0" err="1" smtClean="0"/>
-              <a:t>Language</a:t>
-            </a:r>
-            <a:r>
-              <a:rPr lang="es-MX" sz="2000" dirty="0" smtClean="0"/>
-              <a:t>)</a:t>
-            </a:r>
-          </a:p>
-          <a:p>
-            <a:pPr lvl="1"/>
-            <a:r>
-              <a:rPr lang="es-MX" sz="2000" dirty="0" smtClean="0"/>
-              <a:t>Para definir el </a:t>
-            </a:r>
-            <a:r>
-              <a:rPr lang="es-MX" sz="2000" dirty="0" err="1" smtClean="0"/>
-              <a:t>schema</a:t>
-            </a:r>
-            <a:endParaRPr lang="es-MX" sz="2000" dirty="0" smtClean="0"/>
-          </a:p>
-          <a:p>
-            <a:r>
-              <a:rPr lang="es-MX" sz="2000" dirty="0" smtClean="0"/>
-              <a:t>DML (Data </a:t>
-            </a:r>
-            <a:r>
-              <a:rPr lang="es-MX" sz="2000" dirty="0" err="1" smtClean="0"/>
-              <a:t>Manipulation</a:t>
-            </a:r>
-            <a:r>
-              <a:rPr lang="es-MX" sz="2000" dirty="0" smtClean="0"/>
-              <a:t> </a:t>
-            </a:r>
-            <a:r>
-              <a:rPr lang="es-MX" sz="2000" dirty="0" err="1" smtClean="0"/>
-              <a:t>Language</a:t>
-            </a:r>
-            <a:r>
-              <a:rPr lang="es-MX" sz="2000" dirty="0" smtClean="0"/>
-              <a:t>)</a:t>
-            </a:r>
-          </a:p>
-          <a:p>
-            <a:pPr lvl="1"/>
-            <a:r>
-              <a:rPr lang="es-MX" sz="2000" dirty="0" smtClean="0"/>
-              <a:t>Para hacer los llamados y modificaciones</a:t>
-            </a:r>
-            <a:endParaRPr lang="es-MX" sz="2000" dirty="0"/>
+              <a:rPr lang="es-MX" dirty="0" smtClean="0"/>
+              <a:t>Un Sistema manejador de base de datos(SMBD) provee almacenamiento y acceso a una cantidad masiva y persistente de datos de una manera  eficiente, confiable, conveniente y seguro para múltiples usuarios.</a:t>
+            </a:r>
+            <a:endParaRPr lang="es-MX" dirty="0"/>
           </a:p>
         </p:txBody>
       </p:sp>
@@ -14514,7 +14956,7 @@
     </p:spTree>
     <p:extLst>
       <p:ext uri="{BB962C8B-B14F-4D97-AF65-F5344CB8AC3E}">
-        <p14:creationId xmlns:p14="http://schemas.microsoft.com/office/powerpoint/2010/main" val="141073607"/>
+        <p14:creationId xmlns:p14="http://schemas.microsoft.com/office/powerpoint/2010/main" val="2405242351"/>
       </p:ext>
     </p:extLst>
   </p:cSld>
@@ -14565,7 +15007,7 @@
           <a:p>
             <a:r>
               <a:rPr lang="es-MX" dirty="0" smtClean="0"/>
-              <a:t>Personas clave</a:t>
+              <a:t>Introducción</a:t>
             </a:r>
             <a:endParaRPr lang="es-MX" dirty="0"/>
           </a:p>
@@ -14587,56 +15029,51 @@
           <a:lstStyle/>
           <a:p>
             <a:r>
-              <a:rPr lang="es-MX" sz="1800" dirty="0" smtClean="0"/>
-              <a:t>Implementador:</a:t>
-            </a:r>
-          </a:p>
-          <a:p>
-            <a:pPr lvl="1"/>
-            <a:r>
-              <a:rPr lang="es-MX" sz="1800" dirty="0" smtClean="0"/>
-              <a:t>Construye el sistema</a:t>
-            </a:r>
-          </a:p>
-          <a:p>
-            <a:r>
-              <a:rPr lang="es-MX" sz="1800" dirty="0" smtClean="0"/>
-              <a:t>Diseñador:</a:t>
-            </a:r>
-          </a:p>
-          <a:p>
-            <a:pPr lvl="1"/>
-            <a:r>
-              <a:rPr lang="es-MX" sz="1800" dirty="0" smtClean="0"/>
-              <a:t>Establece el esquema de la BD</a:t>
-            </a:r>
-          </a:p>
-          <a:p>
-            <a:r>
-              <a:rPr lang="es-MX" sz="1800" dirty="0" smtClean="0"/>
-              <a:t>Desarrollador de aplicaciones de la base de datos</a:t>
-            </a:r>
-          </a:p>
-          <a:p>
-            <a:pPr lvl="1"/>
-            <a:r>
-              <a:rPr lang="es-MX" sz="1800" dirty="0" smtClean="0"/>
-              <a:t>Hace los programas que operan sobre la base de datos</a:t>
-            </a:r>
-          </a:p>
-          <a:p>
-            <a:r>
-              <a:rPr lang="es-MX" sz="1800" dirty="0" smtClean="0"/>
-              <a:t>Administrador:</a:t>
-            </a:r>
-          </a:p>
-          <a:p>
-            <a:pPr lvl="1"/>
-            <a:r>
-              <a:rPr lang="es-MX" sz="1800" dirty="0" smtClean="0"/>
-              <a:t>Hace las cargas de los datos, hace que todo corra bien.</a:t>
-            </a:r>
-            <a:endParaRPr lang="es-MX" sz="1800" dirty="0"/>
+              <a:rPr lang="es-MX" sz="2000" dirty="0" smtClean="0"/>
+              <a:t>Masivo : Terabytes</a:t>
+            </a:r>
+          </a:p>
+          <a:p>
+            <a:r>
+              <a:rPr lang="es-MX" sz="2000" dirty="0" smtClean="0"/>
+              <a:t>Persistente</a:t>
+            </a:r>
+          </a:p>
+          <a:p>
+            <a:r>
+              <a:rPr lang="es-MX" sz="2000" dirty="0" smtClean="0"/>
+              <a:t>Seguro: Hardware, software, energía, usuarios</a:t>
+            </a:r>
+          </a:p>
+          <a:p>
+            <a:r>
+              <a:rPr lang="es-MX" sz="2000" dirty="0" smtClean="0"/>
+              <a:t>Multiusuario: Control de concurrencia</a:t>
+            </a:r>
+          </a:p>
+          <a:p>
+            <a:r>
+              <a:rPr lang="es-MX" sz="2000" dirty="0" smtClean="0"/>
+              <a:t>Conveniente: Lenguaje de </a:t>
+            </a:r>
+            <a:r>
+              <a:rPr lang="es-MX" sz="2000" dirty="0" err="1" smtClean="0"/>
+              <a:t>query</a:t>
+            </a:r>
+            <a:endParaRPr lang="es-MX" sz="2000" dirty="0" smtClean="0"/>
+          </a:p>
+          <a:p>
+            <a:r>
+              <a:rPr lang="es-MX" sz="2000" dirty="0" smtClean="0"/>
+              <a:t>Eficiente: Miles de llamados/actualizaciones por segundo</a:t>
+            </a:r>
+          </a:p>
+          <a:p>
+            <a:r>
+              <a:rPr lang="es-MX" sz="2000" dirty="0" smtClean="0"/>
+              <a:t>Confiable: 99.999%</a:t>
+            </a:r>
+            <a:endParaRPr lang="es-MX" sz="2000" dirty="0"/>
           </a:p>
         </p:txBody>
       </p:sp>
@@ -14675,7 +15112,7 @@
     </p:spTree>
     <p:extLst>
       <p:ext uri="{BB962C8B-B14F-4D97-AF65-F5344CB8AC3E}">
-        <p14:creationId xmlns:p14="http://schemas.microsoft.com/office/powerpoint/2010/main" val="1370032439"/>
+        <p14:creationId xmlns:p14="http://schemas.microsoft.com/office/powerpoint/2010/main" val="1621214791"/>
       </p:ext>
     </p:extLst>
   </p:cSld>
@@ -14697,7 +15134,7 @@
   <p:cSld>
     <p:spTree>
       <p:nvGrpSpPr>
-        <p:cNvPr id="1" name="Shape 220"/>
+        <p:cNvPr id="1" name=""/>
         <p:cNvGrpSpPr/>
         <p:nvPr/>
       </p:nvGrpSpPr>
@@ -14711,41 +15148,22 @@
       </p:grpSpPr>
       <p:sp>
         <p:nvSpPr>
-          <p:cNvPr id="221" name="Google Shape;221;p14"/>
-          <p:cNvSpPr txBox="1">
+          <p:cNvPr id="2" name="Título 1"/>
+          <p:cNvSpPr>
             <a:spLocks noGrp="1"/>
           </p:cNvSpPr>
           <p:nvPr>
-            <p:ph type="ctrTitle"/>
+            <p:ph type="title"/>
           </p:nvPr>
         </p:nvSpPr>
-        <p:spPr>
-          <a:xfrm>
-            <a:off x="463525" y="2871148"/>
-            <a:ext cx="4094400" cy="1159800"/>
-          </a:xfrm>
-          <a:prstGeom prst="rect">
-            <a:avLst/>
-          </a:prstGeom>
-        </p:spPr>
+        <p:spPr/>
         <p:txBody>
-          <a:bodyPr spcFirstLastPara="1" wrap="square" lIns="91425" tIns="91425" rIns="91425" bIns="91425" anchor="b" anchorCtr="0">
-            <a:noAutofit/>
-          </a:bodyPr>
+          <a:bodyPr/>
           <a:lstStyle/>
           <a:p>
-            <a:pPr marL="0" lvl="0" indent="0" rtl="0">
-              <a:spcBef>
-                <a:spcPts val="0"/>
-              </a:spcBef>
-              <a:spcAft>
-                <a:spcPts val="0"/>
-              </a:spcAft>
-              <a:buNone/>
-            </a:pPr>
             <a:r>
               <a:rPr lang="es-MX" dirty="0" smtClean="0"/>
-              <a:t>El modelo relacional</a:t>
+              <a:t>Conceptos clave</a:t>
             </a:r>
             <a:endParaRPr lang="es-MX" dirty="0"/>
           </a:p>
@@ -14753,69 +15171,127 @@
       </p:sp>
       <p:sp>
         <p:nvSpPr>
-          <p:cNvPr id="222" name="Google Shape;222;p14"/>
-          <p:cNvSpPr txBox="1">
+          <p:cNvPr id="3" name="Marcador de texto 2"/>
+          <p:cNvSpPr>
             <a:spLocks noGrp="1"/>
           </p:cNvSpPr>
           <p:nvPr>
-            <p:ph type="subTitle" idx="1"/>
+            <p:ph type="body" idx="1"/>
           </p:nvPr>
         </p:nvSpPr>
-        <p:spPr>
-          <a:xfrm>
-            <a:off x="463525" y="3975449"/>
-            <a:ext cx="4094400" cy="784800"/>
-          </a:xfrm>
-          <a:prstGeom prst="rect">
-            <a:avLst/>
-          </a:prstGeom>
-        </p:spPr>
+        <p:spPr/>
         <p:txBody>
-          <a:bodyPr spcFirstLastPara="1" wrap="square" lIns="91425" tIns="91425" rIns="91425" bIns="91425" anchor="t" anchorCtr="0">
-            <a:noAutofit/>
-          </a:bodyPr>
+          <a:bodyPr/>
           <a:lstStyle/>
           <a:p>
-            <a:pPr marL="0" lvl="0" indent="0" rtl="0">
-              <a:spcBef>
-                <a:spcPts val="0"/>
-              </a:spcBef>
-              <a:spcAft>
-                <a:spcPts val="1000"/>
-              </a:spcAft>
-              <a:buNone/>
-            </a:pPr>
-            <a:r>
-              <a:rPr lang="es-MX" dirty="0" smtClean="0"/>
-              <a:t>Bases de Bases de Datos</a:t>
-            </a:r>
-            <a:endParaRPr lang="es-MX" dirty="0"/>
+            <a:r>
+              <a:rPr lang="es-MX" sz="2000" dirty="0" smtClean="0"/>
+              <a:t>Modelo de datos:</a:t>
+            </a:r>
+          </a:p>
+          <a:p>
+            <a:pPr lvl="1"/>
+            <a:r>
+              <a:rPr lang="es-MX" sz="2000" dirty="0" smtClean="0"/>
+              <a:t>Datos, XML, Gráfica</a:t>
+            </a:r>
+          </a:p>
+          <a:p>
+            <a:r>
+              <a:rPr lang="es-MX" sz="2000" dirty="0" err="1" smtClean="0"/>
+              <a:t>Schema</a:t>
+            </a:r>
+            <a:r>
+              <a:rPr lang="es-MX" sz="2000" dirty="0" smtClean="0"/>
+              <a:t> vs Datos</a:t>
+            </a:r>
+          </a:p>
+          <a:p>
+            <a:pPr lvl="1"/>
+            <a:r>
+              <a:rPr lang="es-MX" sz="2000" dirty="0" smtClean="0"/>
+              <a:t>Tipo de datos, variables</a:t>
+            </a:r>
+          </a:p>
+          <a:p>
+            <a:r>
+              <a:rPr lang="es-MX" sz="2000" dirty="0" smtClean="0"/>
+              <a:t>DDL (Data </a:t>
+            </a:r>
+            <a:r>
+              <a:rPr lang="es-MX" sz="2000" dirty="0" err="1" smtClean="0"/>
+              <a:t>Definition</a:t>
+            </a:r>
+            <a:r>
+              <a:rPr lang="es-MX" sz="2000" dirty="0" smtClean="0"/>
+              <a:t> </a:t>
+            </a:r>
+            <a:r>
+              <a:rPr lang="es-MX" sz="2000" dirty="0" err="1" smtClean="0"/>
+              <a:t>Language</a:t>
+            </a:r>
+            <a:r>
+              <a:rPr lang="es-MX" sz="2000" dirty="0" smtClean="0"/>
+              <a:t>)</a:t>
+            </a:r>
+          </a:p>
+          <a:p>
+            <a:pPr lvl="1"/>
+            <a:r>
+              <a:rPr lang="es-MX" sz="2000" dirty="0" smtClean="0"/>
+              <a:t>Para definir el </a:t>
+            </a:r>
+            <a:r>
+              <a:rPr lang="es-MX" sz="2000" dirty="0" err="1" smtClean="0"/>
+              <a:t>schema</a:t>
+            </a:r>
+            <a:endParaRPr lang="es-MX" sz="2000" dirty="0" smtClean="0"/>
+          </a:p>
+          <a:p>
+            <a:r>
+              <a:rPr lang="es-MX" sz="2000" dirty="0" smtClean="0"/>
+              <a:t>DML (Data </a:t>
+            </a:r>
+            <a:r>
+              <a:rPr lang="es-MX" sz="2000" dirty="0" err="1" smtClean="0"/>
+              <a:t>Manipulation</a:t>
+            </a:r>
+            <a:r>
+              <a:rPr lang="es-MX" sz="2000" dirty="0" smtClean="0"/>
+              <a:t> </a:t>
+            </a:r>
+            <a:r>
+              <a:rPr lang="es-MX" sz="2000" dirty="0" err="1" smtClean="0"/>
+              <a:t>Language</a:t>
+            </a:r>
+            <a:r>
+              <a:rPr lang="es-MX" sz="2000" dirty="0" smtClean="0"/>
+              <a:t>)</a:t>
+            </a:r>
+          </a:p>
+          <a:p>
+            <a:pPr lvl="1"/>
+            <a:r>
+              <a:rPr lang="es-MX" sz="2000" dirty="0" smtClean="0"/>
+              <a:t>Para hacer los llamados y modificaciones</a:t>
+            </a:r>
+            <a:endParaRPr lang="es-MX" sz="2000" dirty="0"/>
           </a:p>
         </p:txBody>
       </p:sp>
       <p:sp>
         <p:nvSpPr>
-          <p:cNvPr id="223" name="Google Shape;223;p14"/>
-          <p:cNvSpPr txBox="1">
+          <p:cNvPr id="4" name="Marcador de número de diapositiva 3"/>
+          <p:cNvSpPr>
             <a:spLocks noGrp="1"/>
           </p:cNvSpPr>
           <p:nvPr>
             <p:ph type="sldNum" idx="12"/>
           </p:nvPr>
         </p:nvSpPr>
-        <p:spPr>
-          <a:xfrm>
-            <a:off x="7618000" y="4636500"/>
-            <a:ext cx="1487400" cy="315600"/>
-          </a:xfrm>
-          <a:prstGeom prst="rect">
-            <a:avLst/>
-          </a:prstGeom>
-        </p:spPr>
+        <p:spPr/>
         <p:txBody>
-          <a:bodyPr spcFirstLastPara="1" wrap="square" lIns="91425" tIns="91425" rIns="91425" bIns="91425" anchor="ctr" anchorCtr="0">
-            <a:noAutofit/>
-          </a:bodyPr>
+          <a:bodyPr/>
           <a:lstStyle/>
           <a:p>
             <a:pPr marL="0" lvl="0" indent="0">
@@ -14828,75 +15304,17 @@
               <a:buNone/>
             </a:pPr>
             <a:fld id="{00000000-1234-1234-1234-123412341234}" type="slidenum">
-              <a:rPr lang="en"/>
+              <a:rPr lang="es-MX" smtClean="0"/>
               <a:t>8</a:t>
             </a:fld>
-            <a:endParaRPr/>
-          </a:p>
-        </p:txBody>
-      </p:sp>
-      <p:sp>
-        <p:nvSpPr>
-          <p:cNvPr id="224" name="Google Shape;224;p14"/>
-          <p:cNvSpPr txBox="1"/>
-          <p:nvPr/>
-        </p:nvSpPr>
-        <p:spPr>
-          <a:xfrm>
-            <a:off x="463525" y="0"/>
-            <a:ext cx="2181600" cy="3136200"/>
-          </a:xfrm>
-          <a:prstGeom prst="rect">
-            <a:avLst/>
-          </a:prstGeom>
-          <a:noFill/>
-          <a:ln>
-            <a:noFill/>
-          </a:ln>
-        </p:spPr>
-        <p:txBody>
-          <a:bodyPr spcFirstLastPara="1" wrap="square" lIns="91425" tIns="91425" rIns="91425" bIns="91425" anchor="b" anchorCtr="0">
-            <a:noAutofit/>
-          </a:bodyPr>
-          <a:lstStyle/>
-          <a:p>
-            <a:pPr marL="0" lvl="0" indent="0">
-              <a:spcBef>
-                <a:spcPts val="0"/>
-              </a:spcBef>
-              <a:spcAft>
-                <a:spcPts val="0"/>
-              </a:spcAft>
-              <a:buNone/>
-            </a:pPr>
-            <a:r>
-              <a:rPr lang="en" sz="12000" b="1" dirty="0">
-                <a:solidFill>
-                  <a:srgbClr val="3F5378"/>
-                </a:solidFill>
-                <a:latin typeface="Roboto Condensed"/>
-                <a:ea typeface="Roboto Condensed"/>
-                <a:cs typeface="Roboto Condensed"/>
-                <a:sym typeface="Roboto Condensed"/>
-              </a:rPr>
-              <a:t>2</a:t>
-            </a:r>
-            <a:endParaRPr sz="3000" b="1" dirty="0">
-              <a:solidFill>
-                <a:srgbClr val="3F5378"/>
-              </a:solidFill>
-              <a:latin typeface="Roboto Condensed"/>
-              <a:ea typeface="Roboto Condensed"/>
-              <a:cs typeface="Roboto Condensed"/>
-              <a:sym typeface="Roboto Condensed"/>
-            </a:endParaRPr>
+            <a:endParaRPr lang="es-MX"/>
           </a:p>
         </p:txBody>
       </p:sp>
     </p:spTree>
     <p:extLst>
       <p:ext uri="{BB962C8B-B14F-4D97-AF65-F5344CB8AC3E}">
-        <p14:creationId xmlns:p14="http://schemas.microsoft.com/office/powerpoint/2010/main" val="4224522399"/>
+        <p14:creationId xmlns:p14="http://schemas.microsoft.com/office/powerpoint/2010/main" val="141073607"/>
       </p:ext>
     </p:extLst>
   </p:cSld>
@@ -14947,7 +15365,7 @@
           <a:p>
             <a:r>
               <a:rPr lang="es-MX" dirty="0" smtClean="0"/>
-              <a:t>Modelo relacional</a:t>
+              <a:t>Personas clave</a:t>
             </a:r>
             <a:endParaRPr lang="es-MX" dirty="0"/>
           </a:p>
@@ -14970,40 +15388,53 @@
           <a:p>
             <a:r>
               <a:rPr lang="es-MX" sz="1800" dirty="0" smtClean="0"/>
-              <a:t>Es utilizado en la mayor parte de los sistemas de bases de datos.</a:t>
-            </a:r>
-          </a:p>
-          <a:p>
+              <a:t>Implementador:</a:t>
+            </a:r>
+          </a:p>
+          <a:p>
+            <a:pPr lvl="1"/>
             <a:r>
               <a:rPr lang="es-MX" sz="1800" dirty="0" smtClean="0"/>
-              <a:t>Es un modelo muy simple</a:t>
+              <a:t>Construye el sistema</a:t>
             </a:r>
           </a:p>
           <a:p>
             <a:r>
               <a:rPr lang="es-MX" sz="1800" dirty="0" smtClean="0"/>
-              <a:t>Se hacen las llamadas (</a:t>
-            </a:r>
-            <a:r>
-              <a:rPr lang="es-MX" sz="1800" dirty="0" err="1" smtClean="0"/>
-              <a:t>query</a:t>
-            </a:r>
+              <a:t>Diseñador:</a:t>
+            </a:r>
+          </a:p>
+          <a:p>
+            <a:pPr lvl="1"/>
             <a:r>
               <a:rPr lang="es-MX" sz="1800" dirty="0" smtClean="0"/>
-              <a:t>) con lenguajes de alto nivel: simple, pero expresivo.</a:t>
+              <a:t>Establece el esquema de la BD</a:t>
+            </a:r>
+          </a:p>
+          <a:p>
+            <a:r>
+              <a:rPr lang="es-MX" sz="1800" dirty="0" smtClean="0"/>
+              <a:t>Desarrollador de aplicaciones de la base de datos</a:t>
             </a:r>
           </a:p>
           <a:p>
             <a:pPr lvl="1"/>
             <a:r>
               <a:rPr lang="es-MX" sz="1800" dirty="0" smtClean="0"/>
-              <a:t>Preguntas acerca de los contenidos de la base de datos.</a:t>
+              <a:t>Hace los programas que operan sobre la base de datos</a:t>
             </a:r>
           </a:p>
           <a:p>
             <a:r>
               <a:rPr lang="es-MX" sz="1800" dirty="0" smtClean="0"/>
-              <a:t>Tiene implementaciones eficientes.</a:t>
+              <a:t>Administrador:</a:t>
+            </a:r>
+          </a:p>
+          <a:p>
+            <a:pPr lvl="1"/>
+            <a:r>
+              <a:rPr lang="es-MX" sz="1800" dirty="0" smtClean="0"/>
+              <a:t>Hace las cargas de los datos, hace que todo corra bien.</a:t>
             </a:r>
             <a:endParaRPr lang="es-MX" sz="1800" dirty="0"/>
           </a:p>
@@ -15044,7 +15475,7 @@
     </p:spTree>
     <p:extLst>
       <p:ext uri="{BB962C8B-B14F-4D97-AF65-F5344CB8AC3E}">
-        <p14:creationId xmlns:p14="http://schemas.microsoft.com/office/powerpoint/2010/main" val="2713804468"/>
+        <p14:creationId xmlns:p14="http://schemas.microsoft.com/office/powerpoint/2010/main" val="1370032439"/>
       </p:ext>
     </p:extLst>
   </p:cSld>
